--- a/week6/ADogLife.pptx
+++ b/week6/ADogLife.pptx
@@ -5,11 +5,12 @@
     <p:sldMasterId id="2147483648" r:id="rId1"/>
   </p:sldMasterIdLst>
   <p:sldIdLst>
-    <p:sldId id="256" r:id="rId2"/>
-    <p:sldId id="260" r:id="rId3"/>
-    <p:sldId id="257" r:id="rId4"/>
-    <p:sldId id="259" r:id="rId5"/>
-    <p:sldId id="258" r:id="rId6"/>
+    <p:sldId id="260" r:id="rId2"/>
+    <p:sldId id="256" r:id="rId3"/>
+    <p:sldId id="259" r:id="rId4"/>
+    <p:sldId id="261" r:id="rId5"/>
+    <p:sldId id="257" r:id="rId6"/>
+    <p:sldId id="258" r:id="rId7"/>
   </p:sldIdLst>
   <p:sldSz cx="12192000" cy="6858000"/>
   <p:notesSz cx="6858000" cy="9144000"/>
@@ -263,7 +264,7 @@
           <a:p>
             <a:fld id="{1FE26B07-C1DB-47A2-9EDD-DFFA3856C06C}" type="datetimeFigureOut">
               <a:rPr lang="en-US" smtClean="0"/>
-              <a:t>10/10/2023</a:t>
+              <a:t>10/25/2023</a:t>
             </a:fld>
             <a:endParaRPr lang="en-US"/>
           </a:p>
@@ -461,7 +462,7 @@
           <a:p>
             <a:fld id="{1FE26B07-C1DB-47A2-9EDD-DFFA3856C06C}" type="datetimeFigureOut">
               <a:rPr lang="en-US" smtClean="0"/>
-              <a:t>10/10/2023</a:t>
+              <a:t>10/25/2023</a:t>
             </a:fld>
             <a:endParaRPr lang="en-US"/>
           </a:p>
@@ -669,7 +670,7 @@
           <a:p>
             <a:fld id="{1FE26B07-C1DB-47A2-9EDD-DFFA3856C06C}" type="datetimeFigureOut">
               <a:rPr lang="en-US" smtClean="0"/>
-              <a:t>10/10/2023</a:t>
+              <a:t>10/25/2023</a:t>
             </a:fld>
             <a:endParaRPr lang="en-US"/>
           </a:p>
@@ -867,7 +868,7 @@
           <a:p>
             <a:fld id="{1FE26B07-C1DB-47A2-9EDD-DFFA3856C06C}" type="datetimeFigureOut">
               <a:rPr lang="en-US" smtClean="0"/>
-              <a:t>10/10/2023</a:t>
+              <a:t>10/25/2023</a:t>
             </a:fld>
             <a:endParaRPr lang="en-US"/>
           </a:p>
@@ -1142,7 +1143,7 @@
           <a:p>
             <a:fld id="{1FE26B07-C1DB-47A2-9EDD-DFFA3856C06C}" type="datetimeFigureOut">
               <a:rPr lang="en-US" smtClean="0"/>
-              <a:t>10/10/2023</a:t>
+              <a:t>10/25/2023</a:t>
             </a:fld>
             <a:endParaRPr lang="en-US"/>
           </a:p>
@@ -1407,7 +1408,7 @@
           <a:p>
             <a:fld id="{1FE26B07-C1DB-47A2-9EDD-DFFA3856C06C}" type="datetimeFigureOut">
               <a:rPr lang="en-US" smtClean="0"/>
-              <a:t>10/10/2023</a:t>
+              <a:t>10/25/2023</a:t>
             </a:fld>
             <a:endParaRPr lang="en-US"/>
           </a:p>
@@ -1819,7 +1820,7 @@
           <a:p>
             <a:fld id="{1FE26B07-C1DB-47A2-9EDD-DFFA3856C06C}" type="datetimeFigureOut">
               <a:rPr lang="en-US" smtClean="0"/>
-              <a:t>10/10/2023</a:t>
+              <a:t>10/25/2023</a:t>
             </a:fld>
             <a:endParaRPr lang="en-US"/>
           </a:p>
@@ -1960,7 +1961,7 @@
           <a:p>
             <a:fld id="{1FE26B07-C1DB-47A2-9EDD-DFFA3856C06C}" type="datetimeFigureOut">
               <a:rPr lang="en-US" smtClean="0"/>
-              <a:t>10/10/2023</a:t>
+              <a:t>10/25/2023</a:t>
             </a:fld>
             <a:endParaRPr lang="en-US"/>
           </a:p>
@@ -2073,7 +2074,7 @@
           <a:p>
             <a:fld id="{1FE26B07-C1DB-47A2-9EDD-DFFA3856C06C}" type="datetimeFigureOut">
               <a:rPr lang="en-US" smtClean="0"/>
-              <a:t>10/10/2023</a:t>
+              <a:t>10/25/2023</a:t>
             </a:fld>
             <a:endParaRPr lang="en-US"/>
           </a:p>
@@ -2384,7 +2385,7 @@
           <a:p>
             <a:fld id="{1FE26B07-C1DB-47A2-9EDD-DFFA3856C06C}" type="datetimeFigureOut">
               <a:rPr lang="en-US" smtClean="0"/>
-              <a:t>10/10/2023</a:t>
+              <a:t>10/25/2023</a:t>
             </a:fld>
             <a:endParaRPr lang="en-US"/>
           </a:p>
@@ -2672,7 +2673,7 @@
           <a:p>
             <a:fld id="{1FE26B07-C1DB-47A2-9EDD-DFFA3856C06C}" type="datetimeFigureOut">
               <a:rPr lang="en-US" smtClean="0"/>
-              <a:t>10/10/2023</a:t>
+              <a:t>10/25/2023</a:t>
             </a:fld>
             <a:endParaRPr lang="en-US"/>
           </a:p>
@@ -2913,7 +2914,7 @@
           <a:p>
             <a:fld id="{1FE26B07-C1DB-47A2-9EDD-DFFA3856C06C}" type="datetimeFigureOut">
               <a:rPr lang="en-US" smtClean="0"/>
-              <a:t>10/10/2023</a:t>
+              <a:t>10/25/2023</a:t>
             </a:fld>
             <a:endParaRPr lang="en-US"/>
           </a:p>
@@ -3335,6 +3336,495 @@
           <p:cNvPr id="2" name="Title 1">
             <a:extLst>
               <a:ext uri="{FF2B5EF4-FFF2-40B4-BE49-F238E27FC236}">
+                <a16:creationId xmlns:a16="http://schemas.microsoft.com/office/drawing/2014/main" id="{0B36DF3A-9A84-4229-92F0-33D5B49C379F}"/>
+              </a:ext>
+            </a:extLst>
+          </p:cNvPr>
+          <p:cNvSpPr>
+            <a:spLocks noGrp="1"/>
+          </p:cNvSpPr>
+          <p:nvPr>
+            <p:ph type="title"/>
+          </p:nvPr>
+        </p:nvSpPr>
+        <p:spPr/>
+        <p:txBody>
+          <a:bodyPr/>
+          <a:lstStyle/>
+          <a:p>
+            <a:r>
+              <a:rPr lang="en-US" dirty="0"/>
+              <a:t>Site Map:</a:t>
+            </a:r>
+          </a:p>
+        </p:txBody>
+      </p:sp>
+      <p:pic>
+        <p:nvPicPr>
+          <p:cNvPr id="6" name="Content Placeholder 5">
+            <a:extLst>
+              <a:ext uri="{FF2B5EF4-FFF2-40B4-BE49-F238E27FC236}">
+                <a16:creationId xmlns:a16="http://schemas.microsoft.com/office/drawing/2014/main" id="{0DB42F6E-3F44-43A4-9F06-0B8E692AA8E1}"/>
+              </a:ext>
+            </a:extLst>
+          </p:cNvPr>
+          <p:cNvPicPr>
+            <a:picLocks noGrp="1" noChangeAspect="1"/>
+          </p:cNvPicPr>
+          <p:nvPr>
+            <p:ph sz="half" idx="1"/>
+          </p:nvPr>
+        </p:nvPicPr>
+        <p:blipFill>
+          <a:blip r:embed="rId2">
+            <a:extLst>
+              <a:ext uri="{28A0092B-C50C-407E-A947-70E740481C1C}">
+                <a14:useLocalDpi xmlns:a14="http://schemas.microsoft.com/office/drawing/2010/main" val="0"/>
+              </a:ext>
+              <a:ext uri="{96DAC541-7B7A-43D3-8B79-37D633B846F1}">
+                <asvg:svgBlip xmlns:asvg="http://schemas.microsoft.com/office/drawing/2016/SVG/main" r:embed="rId3"/>
+              </a:ext>
+              <a:ext uri="{837473B0-CC2E-450A-ABE3-18F120FF3D39}">
+                <a1611:picAttrSrcUrl xmlns:a1611="http://schemas.microsoft.com/office/drawing/2016/11/main" r:id="rId4"/>
+              </a:ext>
+            </a:extLst>
+          </a:blip>
+          <a:stretch>
+            <a:fillRect/>
+          </a:stretch>
+        </p:blipFill>
+        <p:spPr>
+          <a:xfrm>
+            <a:off x="3261594" y="700710"/>
+            <a:ext cx="5800787" cy="5583300"/>
+          </a:xfrm>
+        </p:spPr>
+      </p:pic>
+      <p:sp>
+        <p:nvSpPr>
+          <p:cNvPr id="7" name="TextBox 6">
+            <a:extLst>
+              <a:ext uri="{FF2B5EF4-FFF2-40B4-BE49-F238E27FC236}">
+                <a16:creationId xmlns:a16="http://schemas.microsoft.com/office/drawing/2014/main" id="{012EA4BB-5315-4C7D-9A44-46C828A54140}"/>
+              </a:ext>
+            </a:extLst>
+          </p:cNvPr>
+          <p:cNvSpPr txBox="1"/>
+          <p:nvPr/>
+        </p:nvSpPr>
+        <p:spPr>
+          <a:xfrm>
+            <a:off x="3573194" y="3123028"/>
+            <a:ext cx="1041009" cy="369332"/>
+          </a:xfrm>
+          <a:prstGeom prst="rect">
+            <a:avLst/>
+          </a:prstGeom>
+          <a:noFill/>
+        </p:spPr>
+        <p:txBody>
+          <a:bodyPr wrap="square" rtlCol="0">
+            <a:spAutoFit/>
+          </a:bodyPr>
+          <a:lstStyle/>
+          <a:p>
+            <a:r>
+              <a:rPr lang="en-US" dirty="0"/>
+              <a:t>HOME</a:t>
+            </a:r>
+          </a:p>
+        </p:txBody>
+      </p:sp>
+      <p:sp>
+        <p:nvSpPr>
+          <p:cNvPr id="8" name="TextBox 7">
+            <a:extLst>
+              <a:ext uri="{FF2B5EF4-FFF2-40B4-BE49-F238E27FC236}">
+                <a16:creationId xmlns:a16="http://schemas.microsoft.com/office/drawing/2014/main" id="{F237EADA-7118-4924-8EBC-D205AC6F89A5}"/>
+              </a:ext>
+            </a:extLst>
+          </p:cNvPr>
+          <p:cNvSpPr txBox="1"/>
+          <p:nvPr/>
+        </p:nvSpPr>
+        <p:spPr>
+          <a:xfrm>
+            <a:off x="4882427" y="1059967"/>
+            <a:ext cx="1041009" cy="923330"/>
+          </a:xfrm>
+          <a:prstGeom prst="rect">
+            <a:avLst/>
+          </a:prstGeom>
+          <a:noFill/>
+        </p:spPr>
+        <p:txBody>
+          <a:bodyPr wrap="square" rtlCol="0">
+            <a:spAutoFit/>
+          </a:bodyPr>
+          <a:lstStyle/>
+          <a:p>
+            <a:r>
+              <a:rPr lang="en-US" dirty="0"/>
+              <a:t>SITE</a:t>
+            </a:r>
+          </a:p>
+          <a:p>
+            <a:endParaRPr lang="en-US" dirty="0"/>
+          </a:p>
+          <a:p>
+            <a:r>
+              <a:rPr lang="en-US" dirty="0"/>
+              <a:t>MAP</a:t>
+            </a:r>
+          </a:p>
+        </p:txBody>
+      </p:sp>
+      <p:sp>
+        <p:nvSpPr>
+          <p:cNvPr id="3" name="TextBox 2">
+            <a:extLst>
+              <a:ext uri="{FF2B5EF4-FFF2-40B4-BE49-F238E27FC236}">
+                <a16:creationId xmlns:a16="http://schemas.microsoft.com/office/drawing/2014/main" id="{6047EA21-9198-4BFB-8649-3595441CD7C5}"/>
+              </a:ext>
+            </a:extLst>
+          </p:cNvPr>
+          <p:cNvSpPr txBox="1"/>
+          <p:nvPr/>
+        </p:nvSpPr>
+        <p:spPr>
+          <a:xfrm>
+            <a:off x="6296975" y="1219572"/>
+            <a:ext cx="1621669" cy="646331"/>
+          </a:xfrm>
+          <a:prstGeom prst="rect">
+            <a:avLst/>
+          </a:prstGeom>
+          <a:noFill/>
+        </p:spPr>
+        <p:txBody>
+          <a:bodyPr wrap="square" rtlCol="0">
+            <a:spAutoFit/>
+          </a:bodyPr>
+          <a:lstStyle/>
+          <a:p>
+            <a:r>
+              <a:rPr lang="en-US" dirty="0"/>
+              <a:t>  INFORMATION</a:t>
+            </a:r>
+          </a:p>
+        </p:txBody>
+      </p:sp>
+      <p:sp>
+        <p:nvSpPr>
+          <p:cNvPr id="4" name="TextBox 3">
+            <a:extLst>
+              <a:ext uri="{FF2B5EF4-FFF2-40B4-BE49-F238E27FC236}">
+                <a16:creationId xmlns:a16="http://schemas.microsoft.com/office/drawing/2014/main" id="{B85B3FA2-785B-44CA-8166-162F48079350}"/>
+              </a:ext>
+            </a:extLst>
+          </p:cNvPr>
+          <p:cNvSpPr txBox="1"/>
+          <p:nvPr/>
+        </p:nvSpPr>
+        <p:spPr>
+          <a:xfrm>
+            <a:off x="5283593" y="4477732"/>
+            <a:ext cx="2026763" cy="646331"/>
+          </a:xfrm>
+          <a:prstGeom prst="rect">
+            <a:avLst/>
+          </a:prstGeom>
+          <a:noFill/>
+        </p:spPr>
+        <p:txBody>
+          <a:bodyPr wrap="square" rtlCol="0">
+            <a:spAutoFit/>
+          </a:bodyPr>
+          <a:lstStyle/>
+          <a:p>
+            <a:r>
+              <a:rPr lang="en-US" dirty="0"/>
+              <a:t>GROOMING</a:t>
+            </a:r>
+          </a:p>
+          <a:p>
+            <a:r>
+              <a:rPr lang="en-US" dirty="0"/>
+              <a:t>      SERVICES</a:t>
+            </a:r>
+          </a:p>
+        </p:txBody>
+      </p:sp>
+      <p:sp>
+        <p:nvSpPr>
+          <p:cNvPr id="5" name="TextBox 4">
+            <a:extLst>
+              <a:ext uri="{FF2B5EF4-FFF2-40B4-BE49-F238E27FC236}">
+                <a16:creationId xmlns:a16="http://schemas.microsoft.com/office/drawing/2014/main" id="{7A4B1E37-8603-44A5-97CE-E7D714123572}"/>
+              </a:ext>
+            </a:extLst>
+          </p:cNvPr>
+          <p:cNvSpPr txBox="1"/>
+          <p:nvPr/>
+        </p:nvSpPr>
+        <p:spPr>
+          <a:xfrm>
+            <a:off x="7710867" y="2870272"/>
+            <a:ext cx="1442301" cy="923330"/>
+          </a:xfrm>
+          <a:prstGeom prst="rect">
+            <a:avLst/>
+          </a:prstGeom>
+          <a:noFill/>
+        </p:spPr>
+        <p:txBody>
+          <a:bodyPr wrap="square" rtlCol="0">
+            <a:spAutoFit/>
+          </a:bodyPr>
+          <a:lstStyle/>
+          <a:p>
+            <a:r>
+              <a:rPr lang="en-US"/>
+              <a:t>HOW TO SELECT A GOOD PET</a:t>
+            </a:r>
+            <a:endParaRPr lang="en-US" dirty="0"/>
+          </a:p>
+        </p:txBody>
+      </p:sp>
+      <p:cxnSp>
+        <p:nvCxnSpPr>
+          <p:cNvPr id="10" name="Straight Arrow Connector 9">
+            <a:extLst>
+              <a:ext uri="{FF2B5EF4-FFF2-40B4-BE49-F238E27FC236}">
+                <a16:creationId xmlns:a16="http://schemas.microsoft.com/office/drawing/2014/main" id="{23FDDCD5-57DD-43A7-B710-31DCC945E9B0}"/>
+              </a:ext>
+            </a:extLst>
+          </p:cNvPr>
+          <p:cNvCxnSpPr/>
+          <p:nvPr/>
+        </p:nvCxnSpPr>
+        <p:spPr>
+          <a:xfrm flipV="1">
+            <a:off x="4374037" y="2379314"/>
+            <a:ext cx="240166" cy="315743"/>
+          </a:xfrm>
+          <a:prstGeom prst="straightConnector1">
+            <a:avLst/>
+          </a:prstGeom>
+          <a:ln>
+            <a:tailEnd type="triangle"/>
+          </a:ln>
+        </p:spPr>
+        <p:style>
+          <a:lnRef idx="1">
+            <a:schemeClr val="accent1"/>
+          </a:lnRef>
+          <a:fillRef idx="0">
+            <a:schemeClr val="accent1"/>
+          </a:fillRef>
+          <a:effectRef idx="0">
+            <a:schemeClr val="accent1"/>
+          </a:effectRef>
+          <a:fontRef idx="minor">
+            <a:schemeClr val="tx1"/>
+          </a:fontRef>
+        </p:style>
+      </p:cxnSp>
+      <p:cxnSp>
+        <p:nvCxnSpPr>
+          <p:cNvPr id="12" name="Straight Arrow Connector 11">
+            <a:extLst>
+              <a:ext uri="{FF2B5EF4-FFF2-40B4-BE49-F238E27FC236}">
+                <a16:creationId xmlns:a16="http://schemas.microsoft.com/office/drawing/2014/main" id="{F0FBE640-F88B-4353-8B72-D26CEADA0CB7}"/>
+              </a:ext>
+            </a:extLst>
+          </p:cNvPr>
+          <p:cNvCxnSpPr>
+            <a:endCxn id="3" idx="1"/>
+          </p:cNvCxnSpPr>
+          <p:nvPr/>
+        </p:nvCxnSpPr>
+        <p:spPr>
+          <a:xfrm>
+            <a:off x="5923436" y="1521632"/>
+            <a:ext cx="373539" cy="21106"/>
+          </a:xfrm>
+          <a:prstGeom prst="straightConnector1">
+            <a:avLst/>
+          </a:prstGeom>
+          <a:ln>
+            <a:tailEnd type="triangle"/>
+          </a:ln>
+        </p:spPr>
+        <p:style>
+          <a:lnRef idx="1">
+            <a:schemeClr val="accent1"/>
+          </a:lnRef>
+          <a:fillRef idx="0">
+            <a:schemeClr val="accent1"/>
+          </a:fillRef>
+          <a:effectRef idx="0">
+            <a:schemeClr val="accent1"/>
+          </a:effectRef>
+          <a:fontRef idx="minor">
+            <a:schemeClr val="tx1"/>
+          </a:fontRef>
+        </p:style>
+      </p:cxnSp>
+      <p:cxnSp>
+        <p:nvCxnSpPr>
+          <p:cNvPr id="14" name="Straight Arrow Connector 13">
+            <a:extLst>
+              <a:ext uri="{FF2B5EF4-FFF2-40B4-BE49-F238E27FC236}">
+                <a16:creationId xmlns:a16="http://schemas.microsoft.com/office/drawing/2014/main" id="{11180D29-17DF-4EC4-84CF-CF7800497EC7}"/>
+              </a:ext>
+            </a:extLst>
+          </p:cNvPr>
+          <p:cNvCxnSpPr/>
+          <p:nvPr/>
+        </p:nvCxnSpPr>
+        <p:spPr>
+          <a:xfrm flipH="1">
+            <a:off x="6532775" y="2861365"/>
+            <a:ext cx="349601" cy="777381"/>
+          </a:xfrm>
+          <a:prstGeom prst="straightConnector1">
+            <a:avLst/>
+          </a:prstGeom>
+          <a:ln>
+            <a:tailEnd type="triangle"/>
+          </a:ln>
+        </p:spPr>
+        <p:style>
+          <a:lnRef idx="1">
+            <a:schemeClr val="accent1"/>
+          </a:lnRef>
+          <a:fillRef idx="0">
+            <a:schemeClr val="accent1"/>
+          </a:fillRef>
+          <a:effectRef idx="0">
+            <a:schemeClr val="accent1"/>
+          </a:effectRef>
+          <a:fontRef idx="minor">
+            <a:schemeClr val="tx1"/>
+          </a:fontRef>
+        </p:style>
+      </p:cxnSp>
+      <p:cxnSp>
+        <p:nvCxnSpPr>
+          <p:cNvPr id="16" name="Straight Arrow Connector 15">
+            <a:extLst>
+              <a:ext uri="{FF2B5EF4-FFF2-40B4-BE49-F238E27FC236}">
+                <a16:creationId xmlns:a16="http://schemas.microsoft.com/office/drawing/2014/main" id="{858151EB-21EC-4954-BD31-BD4058C0E278}"/>
+              </a:ext>
+            </a:extLst>
+          </p:cNvPr>
+          <p:cNvCxnSpPr/>
+          <p:nvPr/>
+        </p:nvCxnSpPr>
+        <p:spPr>
+          <a:xfrm flipV="1">
+            <a:off x="7577799" y="4170542"/>
+            <a:ext cx="133068" cy="175215"/>
+          </a:xfrm>
+          <a:prstGeom prst="straightConnector1">
+            <a:avLst/>
+          </a:prstGeom>
+          <a:ln>
+            <a:tailEnd type="triangle"/>
+          </a:ln>
+        </p:spPr>
+        <p:style>
+          <a:lnRef idx="1">
+            <a:schemeClr val="accent1"/>
+          </a:lnRef>
+          <a:fillRef idx="0">
+            <a:schemeClr val="accent1"/>
+          </a:fillRef>
+          <a:effectRef idx="0">
+            <a:schemeClr val="accent1"/>
+          </a:effectRef>
+          <a:fontRef idx="minor">
+            <a:schemeClr val="tx1"/>
+          </a:fontRef>
+        </p:style>
+      </p:cxnSp>
+      <p:cxnSp>
+        <p:nvCxnSpPr>
+          <p:cNvPr id="9" name="Straight Arrow Connector 8">
+            <a:extLst>
+              <a:ext uri="{FF2B5EF4-FFF2-40B4-BE49-F238E27FC236}">
+                <a16:creationId xmlns:a16="http://schemas.microsoft.com/office/drawing/2014/main" id="{8D7F8AA1-ABE1-9F51-2E7E-95F76B2E8346}"/>
+              </a:ext>
+            </a:extLst>
+          </p:cNvPr>
+          <p:cNvCxnSpPr>
+            <a:cxnSpLocks/>
+          </p:cNvCxnSpPr>
+          <p:nvPr/>
+        </p:nvCxnSpPr>
+        <p:spPr>
+          <a:xfrm flipH="1" flipV="1">
+            <a:off x="4689446" y="4170542"/>
+            <a:ext cx="192981" cy="175215"/>
+          </a:xfrm>
+          <a:prstGeom prst="straightConnector1">
+            <a:avLst/>
+          </a:prstGeom>
+          <a:ln>
+            <a:tailEnd type="triangle"/>
+          </a:ln>
+        </p:spPr>
+        <p:style>
+          <a:lnRef idx="1">
+            <a:schemeClr val="accent1"/>
+          </a:lnRef>
+          <a:fillRef idx="0">
+            <a:schemeClr val="accent1"/>
+          </a:fillRef>
+          <a:effectRef idx="0">
+            <a:schemeClr val="accent1"/>
+          </a:effectRef>
+          <a:fontRef idx="minor">
+            <a:schemeClr val="tx1"/>
+          </a:fontRef>
+        </p:style>
+      </p:cxnSp>
+    </p:spTree>
+    <p:extLst>
+      <p:ext uri="{BB962C8B-B14F-4D97-AF65-F5344CB8AC3E}">
+        <p14:creationId xmlns:p14="http://schemas.microsoft.com/office/powerpoint/2010/main" val="3315023830"/>
+      </p:ext>
+    </p:extLst>
+  </p:cSld>
+  <p:clrMapOvr>
+    <a:masterClrMapping/>
+  </p:clrMapOvr>
+</p:sld>
+</file>
+
+<file path=ppt/slides/slide2.xml><?xml version="1.0" encoding="utf-8"?>
+<p:sld xmlns:a="http://schemas.openxmlformats.org/drawingml/2006/main" xmlns:r="http://schemas.openxmlformats.org/officeDocument/2006/relationships" xmlns:p="http://schemas.openxmlformats.org/presentationml/2006/main">
+  <p:cSld>
+    <p:spTree>
+      <p:nvGrpSpPr>
+        <p:cNvPr id="1" name=""/>
+        <p:cNvGrpSpPr/>
+        <p:nvPr/>
+      </p:nvGrpSpPr>
+      <p:grpSpPr>
+        <a:xfrm>
+          <a:off x="0" y="0"/>
+          <a:ext cx="0" cy="0"/>
+          <a:chOff x="0" y="0"/>
+          <a:chExt cx="0" cy="0"/>
+        </a:xfrm>
+      </p:grpSpPr>
+      <p:sp>
+        <p:nvSpPr>
+          <p:cNvPr id="2" name="Title 1">
+            <a:extLst>
+              <a:ext uri="{FF2B5EF4-FFF2-40B4-BE49-F238E27FC236}">
                 <a16:creationId xmlns:a16="http://schemas.microsoft.com/office/drawing/2014/main" id="{F8198A40-3A13-4825-98EC-7D231C355116}"/>
               </a:ext>
             </a:extLst>
@@ -5095,91 +5585,63 @@
           </p:txBody>
         </p:sp>
       </p:grpSp>
-    </p:spTree>
-    <p:extLst>
-      <p:ext uri="{BB962C8B-B14F-4D97-AF65-F5344CB8AC3E}">
-        <p14:creationId xmlns:p14="http://schemas.microsoft.com/office/powerpoint/2010/main" val="1372082566"/>
-      </p:ext>
-    </p:extLst>
-  </p:cSld>
-  <p:clrMapOvr>
-    <a:masterClrMapping/>
-  </p:clrMapOvr>
-</p:sld>
-</file>
-
-<file path=ppt/slides/slide2.xml><?xml version="1.0" encoding="utf-8"?>
-<p:sld xmlns:a="http://schemas.openxmlformats.org/drawingml/2006/main" xmlns:r="http://schemas.openxmlformats.org/officeDocument/2006/relationships" xmlns:p="http://schemas.openxmlformats.org/presentationml/2006/main">
-  <p:cSld>
-    <p:spTree>
-      <p:nvGrpSpPr>
-        <p:cNvPr id="1" name=""/>
-        <p:cNvGrpSpPr/>
-        <p:nvPr/>
-      </p:nvGrpSpPr>
-      <p:grpSpPr>
-        <a:xfrm>
-          <a:off x="0" y="0"/>
-          <a:ext cx="0" cy="0"/>
-          <a:chOff x="0" y="0"/>
-          <a:chExt cx="0" cy="0"/>
-        </a:xfrm>
-      </p:grpSpPr>
-      <p:sp>
-        <p:nvSpPr>
-          <p:cNvPr id="2" name="Title 1">
-            <a:extLst>
-              <a:ext uri="{FF2B5EF4-FFF2-40B4-BE49-F238E27FC236}">
-                <a16:creationId xmlns:a16="http://schemas.microsoft.com/office/drawing/2014/main" id="{0B36DF3A-9A84-4229-92F0-33D5B49C379F}"/>
-              </a:ext>
-            </a:extLst>
-          </p:cNvPr>
-          <p:cNvSpPr>
-            <a:spLocks noGrp="1"/>
-          </p:cNvSpPr>
-          <p:nvPr>
-            <p:ph type="title"/>
-          </p:nvPr>
-        </p:nvSpPr>
-        <p:spPr/>
-        <p:txBody>
-          <a:bodyPr/>
+      <p:sp>
+        <p:nvSpPr>
+          <p:cNvPr id="3" name="TextBox 2">
+            <a:extLst>
+              <a:ext uri="{FF2B5EF4-FFF2-40B4-BE49-F238E27FC236}">
+                <a16:creationId xmlns:a16="http://schemas.microsoft.com/office/drawing/2014/main" id="{A053203F-CAC3-1466-DE8E-8C8DD3680F33}"/>
+              </a:ext>
+            </a:extLst>
+          </p:cNvPr>
+          <p:cNvSpPr txBox="1"/>
+          <p:nvPr/>
+        </p:nvSpPr>
+        <p:spPr>
+          <a:xfrm>
+            <a:off x="176169" y="218114"/>
+            <a:ext cx="906011" cy="246221"/>
+          </a:xfrm>
+          <a:prstGeom prst="rect">
+            <a:avLst/>
+          </a:prstGeom>
+          <a:noFill/>
+        </p:spPr>
+        <p:txBody>
+          <a:bodyPr wrap="square" rtlCol="0">
+            <a:spAutoFit/>
+          </a:bodyPr>
           <a:lstStyle/>
           <a:p>
             <a:r>
-              <a:rPr lang="en-US" dirty="0"/>
-              <a:t>Site Map:</a:t>
+              <a:rPr lang="en-US" sz="1000" dirty="0"/>
+              <a:t>Homepage</a:t>
             </a:r>
           </a:p>
         </p:txBody>
       </p:sp>
       <p:pic>
         <p:nvPicPr>
-          <p:cNvPr id="6" name="Content Placeholder 5">
-            <a:extLst>
-              <a:ext uri="{FF2B5EF4-FFF2-40B4-BE49-F238E27FC236}">
-                <a16:creationId xmlns:a16="http://schemas.microsoft.com/office/drawing/2014/main" id="{0DB42F6E-3F44-43A4-9F06-0B8E692AA8E1}"/>
+          <p:cNvPr id="6" name="Graphic 5" descr="Dog House outline">
+            <a:extLst>
+              <a:ext uri="{FF2B5EF4-FFF2-40B4-BE49-F238E27FC236}">
+                <a16:creationId xmlns:a16="http://schemas.microsoft.com/office/drawing/2014/main" id="{97D96BF2-8887-8F3D-1A96-DB974C39EB1E}"/>
               </a:ext>
             </a:extLst>
           </p:cNvPr>
           <p:cNvPicPr>
-            <a:picLocks noGrp="1" noChangeAspect="1"/>
+            <a:picLocks noChangeAspect="1"/>
           </p:cNvPicPr>
-          <p:nvPr>
-            <p:ph sz="half" idx="1"/>
-          </p:nvPr>
+          <p:nvPr/>
         </p:nvPicPr>
         <p:blipFill>
-          <a:blip r:embed="rId2">
+          <a:blip r:embed="rId4">
             <a:extLst>
               <a:ext uri="{28A0092B-C50C-407E-A947-70E740481C1C}">
                 <a14:useLocalDpi xmlns:a14="http://schemas.microsoft.com/office/drawing/2010/main" val="0"/>
               </a:ext>
               <a:ext uri="{96DAC541-7B7A-43D3-8B79-37D633B846F1}">
-                <asvg:svgBlip xmlns:asvg="http://schemas.microsoft.com/office/drawing/2016/SVG/main" r:embed="rId3"/>
-              </a:ext>
-              <a:ext uri="{837473B0-CC2E-450A-ABE3-18F120FF3D39}">
-                <a1611:picAttrSrcUrl xmlns:a1611="http://schemas.microsoft.com/office/drawing/2016/11/main" r:id="rId4"/>
+                <asvg:svgBlip xmlns:asvg="http://schemas.microsoft.com/office/drawing/2016/SVG/main" r:embed="rId5"/>
               </a:ext>
             </a:extLst>
           </a:blip>
@@ -5189,17 +5651,137 @@
         </p:blipFill>
         <p:spPr>
           <a:xfrm>
-            <a:off x="3261594" y="700710"/>
-            <a:ext cx="5800787" cy="5583300"/>
-          </a:xfrm>
+            <a:off x="1924617" y="35685"/>
+            <a:ext cx="741502" cy="741502"/>
+          </a:xfrm>
+          <a:prstGeom prst="rect">
+            <a:avLst/>
+          </a:prstGeom>
         </p:spPr>
       </p:pic>
-      <p:sp>
-        <p:nvSpPr>
-          <p:cNvPr id="7" name="TextBox 6">
-            <a:extLst>
-              <a:ext uri="{FF2B5EF4-FFF2-40B4-BE49-F238E27FC236}">
-                <a16:creationId xmlns:a16="http://schemas.microsoft.com/office/drawing/2014/main" id="{012EA4BB-5315-4C7D-9A44-46C828A54140}"/>
+      <p:pic>
+        <p:nvPicPr>
+          <p:cNvPr id="17" name="Graphic 16" descr="Dog with solid fill">
+            <a:extLst>
+              <a:ext uri="{FF2B5EF4-FFF2-40B4-BE49-F238E27FC236}">
+                <a16:creationId xmlns:a16="http://schemas.microsoft.com/office/drawing/2014/main" id="{F941A884-99A3-C236-B3C7-66B53A3636A4}"/>
+              </a:ext>
+            </a:extLst>
+          </p:cNvPr>
+          <p:cNvPicPr>
+            <a:picLocks noChangeAspect="1"/>
+          </p:cNvPicPr>
+          <p:nvPr/>
+        </p:nvPicPr>
+        <p:blipFill>
+          <a:blip r:embed="rId6">
+            <a:extLst>
+              <a:ext uri="{28A0092B-C50C-407E-A947-70E740481C1C}">
+                <a14:useLocalDpi xmlns:a14="http://schemas.microsoft.com/office/drawing/2010/main" val="0"/>
+              </a:ext>
+              <a:ext uri="{96DAC541-7B7A-43D3-8B79-37D633B846F1}">
+                <asvg:svgBlip xmlns:asvg="http://schemas.microsoft.com/office/drawing/2016/SVG/main" r:embed="rId7"/>
+              </a:ext>
+            </a:extLst>
+          </a:blip>
+          <a:stretch>
+            <a:fillRect/>
+          </a:stretch>
+        </p:blipFill>
+        <p:spPr>
+          <a:xfrm>
+            <a:off x="4944778" y="74841"/>
+            <a:ext cx="759736" cy="759736"/>
+          </a:xfrm>
+          <a:prstGeom prst="rect">
+            <a:avLst/>
+          </a:prstGeom>
+        </p:spPr>
+      </p:pic>
+      <p:pic>
+        <p:nvPicPr>
+          <p:cNvPr id="19" name="Graphic 18" descr="Puppy outline">
+            <a:extLst>
+              <a:ext uri="{FF2B5EF4-FFF2-40B4-BE49-F238E27FC236}">
+                <a16:creationId xmlns:a16="http://schemas.microsoft.com/office/drawing/2014/main" id="{D55F536F-5590-3FAA-FE6F-4C48250B1BD0}"/>
+              </a:ext>
+            </a:extLst>
+          </p:cNvPr>
+          <p:cNvPicPr>
+            <a:picLocks noChangeAspect="1"/>
+          </p:cNvPicPr>
+          <p:nvPr/>
+        </p:nvPicPr>
+        <p:blipFill>
+          <a:blip r:embed="rId8">
+            <a:extLst>
+              <a:ext uri="{28A0092B-C50C-407E-A947-70E740481C1C}">
+                <a14:useLocalDpi xmlns:a14="http://schemas.microsoft.com/office/drawing/2010/main" val="0"/>
+              </a:ext>
+              <a:ext uri="{96DAC541-7B7A-43D3-8B79-37D633B846F1}">
+                <asvg:svgBlip xmlns:asvg="http://schemas.microsoft.com/office/drawing/2016/SVG/main" r:embed="rId9"/>
+              </a:ext>
+            </a:extLst>
+          </a:blip>
+          <a:stretch>
+            <a:fillRect/>
+          </a:stretch>
+        </p:blipFill>
+        <p:spPr>
+          <a:xfrm>
+            <a:off x="3278529" y="5836"/>
+            <a:ext cx="823812" cy="823812"/>
+          </a:xfrm>
+          <a:prstGeom prst="rect">
+            <a:avLst/>
+          </a:prstGeom>
+        </p:spPr>
+      </p:pic>
+      <p:pic>
+        <p:nvPicPr>
+          <p:cNvPr id="21" name="Graphic 20" descr="Balloon animal outline">
+            <a:extLst>
+              <a:ext uri="{FF2B5EF4-FFF2-40B4-BE49-F238E27FC236}">
+                <a16:creationId xmlns:a16="http://schemas.microsoft.com/office/drawing/2014/main" id="{4BE64EAF-3F2A-DBA6-766E-B83900CCAB6D}"/>
+              </a:ext>
+            </a:extLst>
+          </p:cNvPr>
+          <p:cNvPicPr>
+            <a:picLocks noChangeAspect="1"/>
+          </p:cNvPicPr>
+          <p:nvPr/>
+        </p:nvPicPr>
+        <p:blipFill>
+          <a:blip r:embed="rId10">
+            <a:extLst>
+              <a:ext uri="{28A0092B-C50C-407E-A947-70E740481C1C}">
+                <a14:useLocalDpi xmlns:a14="http://schemas.microsoft.com/office/drawing/2010/main" val="0"/>
+              </a:ext>
+              <a:ext uri="{96DAC541-7B7A-43D3-8B79-37D633B846F1}">
+                <asvg:svgBlip xmlns:asvg="http://schemas.microsoft.com/office/drawing/2016/SVG/main" r:embed="rId11"/>
+              </a:ext>
+            </a:extLst>
+          </a:blip>
+          <a:stretch>
+            <a:fillRect/>
+          </a:stretch>
+        </p:blipFill>
+        <p:spPr>
+          <a:xfrm>
+            <a:off x="6765353" y="74841"/>
+            <a:ext cx="754807" cy="754807"/>
+          </a:xfrm>
+          <a:prstGeom prst="rect">
+            <a:avLst/>
+          </a:prstGeom>
+        </p:spPr>
+      </p:pic>
+      <p:sp>
+        <p:nvSpPr>
+          <p:cNvPr id="22" name="TextBox 21">
+            <a:extLst>
+              <a:ext uri="{FF2B5EF4-FFF2-40B4-BE49-F238E27FC236}">
+                <a16:creationId xmlns:a16="http://schemas.microsoft.com/office/drawing/2014/main" id="{D7A71CB9-EA2A-4E70-E281-E41C571295E0}"/>
               </a:ext>
             </a:extLst>
           </p:cNvPr>
@@ -5208,8 +5790,8 @@
         </p:nvSpPr>
         <p:spPr>
           <a:xfrm>
-            <a:off x="3573194" y="3123028"/>
-            <a:ext cx="1041009" cy="369332"/>
+            <a:off x="1652631" y="705042"/>
+            <a:ext cx="6040074" cy="276999"/>
           </a:xfrm>
           <a:prstGeom prst="rect">
             <a:avLst/>
@@ -5223,330 +5805,16 @@
           <a:lstStyle/>
           <a:p>
             <a:r>
-              <a:rPr lang="en-US" dirty="0"/>
-              <a:t>HOME</a:t>
-            </a:r>
-          </a:p>
-        </p:txBody>
-      </p:sp>
-      <p:sp>
-        <p:nvSpPr>
-          <p:cNvPr id="8" name="TextBox 7">
-            <a:extLst>
-              <a:ext uri="{FF2B5EF4-FFF2-40B4-BE49-F238E27FC236}">
-                <a16:creationId xmlns:a16="http://schemas.microsoft.com/office/drawing/2014/main" id="{F237EADA-7118-4924-8EBC-D205AC6F89A5}"/>
-              </a:ext>
-            </a:extLst>
-          </p:cNvPr>
-          <p:cNvSpPr txBox="1"/>
-          <p:nvPr/>
-        </p:nvSpPr>
-        <p:spPr>
-          <a:xfrm>
-            <a:off x="4882427" y="1059967"/>
-            <a:ext cx="1041009" cy="923330"/>
-          </a:xfrm>
-          <a:prstGeom prst="rect">
-            <a:avLst/>
-          </a:prstGeom>
-          <a:noFill/>
-        </p:spPr>
-        <p:txBody>
-          <a:bodyPr wrap="square" rtlCol="0">
-            <a:spAutoFit/>
-          </a:bodyPr>
-          <a:lstStyle/>
-          <a:p>
-            <a:r>
-              <a:rPr lang="en-US" dirty="0"/>
-              <a:t>SITE</a:t>
-            </a:r>
-          </a:p>
-          <a:p>
-            <a:endParaRPr lang="en-US" dirty="0"/>
-          </a:p>
-          <a:p>
-            <a:r>
-              <a:rPr lang="en-US" dirty="0"/>
-              <a:t>MAP</a:t>
-            </a:r>
-          </a:p>
-        </p:txBody>
-      </p:sp>
-      <p:sp>
-        <p:nvSpPr>
-          <p:cNvPr id="3" name="TextBox 2">
-            <a:extLst>
-              <a:ext uri="{FF2B5EF4-FFF2-40B4-BE49-F238E27FC236}">
-                <a16:creationId xmlns:a16="http://schemas.microsoft.com/office/drawing/2014/main" id="{6047EA21-9198-4BFB-8649-3595441CD7C5}"/>
-              </a:ext>
-            </a:extLst>
-          </p:cNvPr>
-          <p:cNvSpPr txBox="1"/>
-          <p:nvPr/>
-        </p:nvSpPr>
-        <p:spPr>
-          <a:xfrm>
-            <a:off x="6296975" y="1219572"/>
-            <a:ext cx="1621669" cy="646331"/>
-          </a:xfrm>
-          <a:prstGeom prst="rect">
-            <a:avLst/>
-          </a:prstGeom>
-          <a:noFill/>
-        </p:spPr>
-        <p:txBody>
-          <a:bodyPr wrap="square" rtlCol="0">
-            <a:spAutoFit/>
-          </a:bodyPr>
-          <a:lstStyle/>
-          <a:p>
-            <a:r>
-              <a:rPr lang="en-US" dirty="0"/>
-              <a:t>  INFORMATION</a:t>
-            </a:r>
-          </a:p>
-        </p:txBody>
-      </p:sp>
-      <p:sp>
-        <p:nvSpPr>
-          <p:cNvPr id="4" name="TextBox 3">
-            <a:extLst>
-              <a:ext uri="{FF2B5EF4-FFF2-40B4-BE49-F238E27FC236}">
-                <a16:creationId xmlns:a16="http://schemas.microsoft.com/office/drawing/2014/main" id="{B85B3FA2-785B-44CA-8166-162F48079350}"/>
-              </a:ext>
-            </a:extLst>
-          </p:cNvPr>
-          <p:cNvSpPr txBox="1"/>
-          <p:nvPr/>
-        </p:nvSpPr>
-        <p:spPr>
-          <a:xfrm>
-            <a:off x="5283593" y="4477732"/>
-            <a:ext cx="2026763" cy="646331"/>
-          </a:xfrm>
-          <a:prstGeom prst="rect">
-            <a:avLst/>
-          </a:prstGeom>
-          <a:noFill/>
-        </p:spPr>
-        <p:txBody>
-          <a:bodyPr wrap="square" rtlCol="0">
-            <a:spAutoFit/>
-          </a:bodyPr>
-          <a:lstStyle/>
-          <a:p>
-            <a:r>
-              <a:rPr lang="en-US" dirty="0"/>
-              <a:t>GROOMING</a:t>
-            </a:r>
-          </a:p>
-          <a:p>
-            <a:r>
-              <a:rPr lang="en-US" dirty="0"/>
-              <a:t>      SERVICES</a:t>
-            </a:r>
-          </a:p>
-        </p:txBody>
-      </p:sp>
-      <p:sp>
-        <p:nvSpPr>
-          <p:cNvPr id="5" name="TextBox 4">
-            <a:extLst>
-              <a:ext uri="{FF2B5EF4-FFF2-40B4-BE49-F238E27FC236}">
-                <a16:creationId xmlns:a16="http://schemas.microsoft.com/office/drawing/2014/main" id="{7A4B1E37-8603-44A5-97CE-E7D714123572}"/>
-              </a:ext>
-            </a:extLst>
-          </p:cNvPr>
-          <p:cNvSpPr txBox="1"/>
-          <p:nvPr/>
-        </p:nvSpPr>
-        <p:spPr>
-          <a:xfrm>
-            <a:off x="7710867" y="2870272"/>
-            <a:ext cx="1442301" cy="923330"/>
-          </a:xfrm>
-          <a:prstGeom prst="rect">
-            <a:avLst/>
-          </a:prstGeom>
-          <a:noFill/>
-        </p:spPr>
-        <p:txBody>
-          <a:bodyPr wrap="square" rtlCol="0">
-            <a:spAutoFit/>
-          </a:bodyPr>
-          <a:lstStyle/>
-          <a:p>
-            <a:r>
-              <a:rPr lang="en-US"/>
-              <a:t>HOW TO SELECT A GOOD PET</a:t>
-            </a:r>
-            <a:endParaRPr lang="en-US" dirty="0"/>
-          </a:p>
-        </p:txBody>
-      </p:sp>
-      <p:cxnSp>
-        <p:nvCxnSpPr>
-          <p:cNvPr id="10" name="Straight Arrow Connector 9">
-            <a:extLst>
-              <a:ext uri="{FF2B5EF4-FFF2-40B4-BE49-F238E27FC236}">
-                <a16:creationId xmlns:a16="http://schemas.microsoft.com/office/drawing/2014/main" id="{23FDDCD5-57DD-43A7-B710-31DCC945E9B0}"/>
-              </a:ext>
-            </a:extLst>
-          </p:cNvPr>
-          <p:cNvCxnSpPr/>
-          <p:nvPr/>
-        </p:nvCxnSpPr>
-        <p:spPr>
-          <a:xfrm flipV="1">
-            <a:off x="4374037" y="2379314"/>
-            <a:ext cx="240166" cy="315743"/>
-          </a:xfrm>
-          <a:prstGeom prst="straightConnector1">
-            <a:avLst/>
-          </a:prstGeom>
-          <a:ln>
-            <a:tailEnd type="triangle"/>
-          </a:ln>
-        </p:spPr>
-        <p:style>
-          <a:lnRef idx="1">
-            <a:schemeClr val="accent1"/>
-          </a:lnRef>
-          <a:fillRef idx="0">
-            <a:schemeClr val="accent1"/>
-          </a:fillRef>
-          <a:effectRef idx="0">
-            <a:schemeClr val="accent1"/>
-          </a:effectRef>
-          <a:fontRef idx="minor">
-            <a:schemeClr val="tx1"/>
-          </a:fontRef>
-        </p:style>
-      </p:cxnSp>
-      <p:cxnSp>
-        <p:nvCxnSpPr>
-          <p:cNvPr id="12" name="Straight Arrow Connector 11">
-            <a:extLst>
-              <a:ext uri="{FF2B5EF4-FFF2-40B4-BE49-F238E27FC236}">
-                <a16:creationId xmlns:a16="http://schemas.microsoft.com/office/drawing/2014/main" id="{F0FBE640-F88B-4353-8B72-D26CEADA0CB7}"/>
-              </a:ext>
-            </a:extLst>
-          </p:cNvPr>
-          <p:cNvCxnSpPr>
-            <a:endCxn id="3" idx="1"/>
-          </p:cNvCxnSpPr>
-          <p:nvPr/>
-        </p:nvCxnSpPr>
-        <p:spPr>
-          <a:xfrm>
-            <a:off x="5923436" y="1521632"/>
-            <a:ext cx="373539" cy="21106"/>
-          </a:xfrm>
-          <a:prstGeom prst="straightConnector1">
-            <a:avLst/>
-          </a:prstGeom>
-          <a:ln>
-            <a:tailEnd type="triangle"/>
-          </a:ln>
-        </p:spPr>
-        <p:style>
-          <a:lnRef idx="1">
-            <a:schemeClr val="accent1"/>
-          </a:lnRef>
-          <a:fillRef idx="0">
-            <a:schemeClr val="accent1"/>
-          </a:fillRef>
-          <a:effectRef idx="0">
-            <a:schemeClr val="accent1"/>
-          </a:effectRef>
-          <a:fontRef idx="minor">
-            <a:schemeClr val="tx1"/>
-          </a:fontRef>
-        </p:style>
-      </p:cxnSp>
-      <p:cxnSp>
-        <p:nvCxnSpPr>
-          <p:cNvPr id="14" name="Straight Arrow Connector 13">
-            <a:extLst>
-              <a:ext uri="{FF2B5EF4-FFF2-40B4-BE49-F238E27FC236}">
-                <a16:creationId xmlns:a16="http://schemas.microsoft.com/office/drawing/2014/main" id="{11180D29-17DF-4EC4-84CF-CF7800497EC7}"/>
-              </a:ext>
-            </a:extLst>
-          </p:cNvPr>
-          <p:cNvCxnSpPr/>
-          <p:nvPr/>
-        </p:nvCxnSpPr>
-        <p:spPr>
-          <a:xfrm flipH="1">
-            <a:off x="6532775" y="2861365"/>
-            <a:ext cx="349601" cy="777381"/>
-          </a:xfrm>
-          <a:prstGeom prst="straightConnector1">
-            <a:avLst/>
-          </a:prstGeom>
-          <a:ln>
-            <a:tailEnd type="triangle"/>
-          </a:ln>
-        </p:spPr>
-        <p:style>
-          <a:lnRef idx="1">
-            <a:schemeClr val="accent1"/>
-          </a:lnRef>
-          <a:fillRef idx="0">
-            <a:schemeClr val="accent1"/>
-          </a:fillRef>
-          <a:effectRef idx="0">
-            <a:schemeClr val="accent1"/>
-          </a:effectRef>
-          <a:fontRef idx="minor">
-            <a:schemeClr val="tx1"/>
-          </a:fontRef>
-        </p:style>
-      </p:cxnSp>
-      <p:cxnSp>
-        <p:nvCxnSpPr>
-          <p:cNvPr id="16" name="Straight Arrow Connector 15">
-            <a:extLst>
-              <a:ext uri="{FF2B5EF4-FFF2-40B4-BE49-F238E27FC236}">
-                <a16:creationId xmlns:a16="http://schemas.microsoft.com/office/drawing/2014/main" id="{858151EB-21EC-4954-BD31-BD4058C0E278}"/>
-              </a:ext>
-            </a:extLst>
-          </p:cNvPr>
-          <p:cNvCxnSpPr/>
-          <p:nvPr/>
-        </p:nvCxnSpPr>
-        <p:spPr>
-          <a:xfrm flipV="1">
-            <a:off x="7577799" y="4170542"/>
-            <a:ext cx="133068" cy="175215"/>
-          </a:xfrm>
-          <a:prstGeom prst="straightConnector1">
-            <a:avLst/>
-          </a:prstGeom>
-          <a:ln>
-            <a:tailEnd type="triangle"/>
-          </a:ln>
-        </p:spPr>
-        <p:style>
-          <a:lnRef idx="1">
-            <a:schemeClr val="accent1"/>
-          </a:lnRef>
-          <a:fillRef idx="0">
-            <a:schemeClr val="accent1"/>
-          </a:fillRef>
-          <a:effectRef idx="0">
-            <a:schemeClr val="accent1"/>
-          </a:effectRef>
-          <a:fontRef idx="minor">
-            <a:schemeClr val="tx1"/>
-          </a:fontRef>
-        </p:style>
-      </p:cxnSp>
+              <a:rPr lang="en-US" sz="1200" dirty="0"/>
+              <a:t>      Homepage                     Grooming                            Map to Store                               Contact US</a:t>
+            </a:r>
+          </a:p>
+        </p:txBody>
+      </p:sp>
     </p:spTree>
     <p:extLst>
       <p:ext uri="{BB962C8B-B14F-4D97-AF65-F5344CB8AC3E}">
-        <p14:creationId xmlns:p14="http://schemas.microsoft.com/office/powerpoint/2010/main" val="3315023830"/>
+        <p14:creationId xmlns:p14="http://schemas.microsoft.com/office/powerpoint/2010/main" val="1372082566"/>
       </p:ext>
     </p:extLst>
   </p:cSld>
@@ -5573,6 +5841,503 @@
           <a:chExt cx="0" cy="0"/>
         </a:xfrm>
       </p:grpSpPr>
+      <p:pic>
+        <p:nvPicPr>
+          <p:cNvPr id="3" name="Picture 2">
+            <a:extLst>
+              <a:ext uri="{FF2B5EF4-FFF2-40B4-BE49-F238E27FC236}">
+                <a16:creationId xmlns:a16="http://schemas.microsoft.com/office/drawing/2014/main" id="{936A2758-362E-427F-BC7B-042E30C21089}"/>
+              </a:ext>
+            </a:extLst>
+          </p:cNvPr>
+          <p:cNvPicPr>
+            <a:picLocks noChangeAspect="1"/>
+          </p:cNvPicPr>
+          <p:nvPr/>
+        </p:nvPicPr>
+        <p:blipFill>
+          <a:blip r:embed="rId2"/>
+          <a:stretch>
+            <a:fillRect/>
+          </a:stretch>
+        </p:blipFill>
+        <p:spPr>
+          <a:xfrm>
+            <a:off x="310219" y="1065402"/>
+            <a:ext cx="2924583" cy="2365906"/>
+          </a:xfrm>
+          <a:prstGeom prst="rect">
+            <a:avLst/>
+          </a:prstGeom>
+        </p:spPr>
+      </p:pic>
+      <p:pic>
+        <p:nvPicPr>
+          <p:cNvPr id="5" name="Picture 4">
+            <a:extLst>
+              <a:ext uri="{FF2B5EF4-FFF2-40B4-BE49-F238E27FC236}">
+                <a16:creationId xmlns:a16="http://schemas.microsoft.com/office/drawing/2014/main" id="{CD7199A7-EBA6-4F28-B332-E5D6541B61AE}"/>
+              </a:ext>
+            </a:extLst>
+          </p:cNvPr>
+          <p:cNvPicPr>
+            <a:picLocks noChangeAspect="1"/>
+          </p:cNvPicPr>
+          <p:nvPr/>
+        </p:nvPicPr>
+        <p:blipFill>
+          <a:blip r:embed="rId3"/>
+          <a:stretch>
+            <a:fillRect/>
+          </a:stretch>
+        </p:blipFill>
+        <p:spPr>
+          <a:xfrm>
+            <a:off x="3263382" y="998290"/>
+            <a:ext cx="6001588" cy="5545820"/>
+          </a:xfrm>
+          <a:prstGeom prst="rect">
+            <a:avLst/>
+          </a:prstGeom>
+        </p:spPr>
+      </p:pic>
+      <p:pic>
+        <p:nvPicPr>
+          <p:cNvPr id="7" name="Picture 6">
+            <a:extLst>
+              <a:ext uri="{FF2B5EF4-FFF2-40B4-BE49-F238E27FC236}">
+                <a16:creationId xmlns:a16="http://schemas.microsoft.com/office/drawing/2014/main" id="{50A44583-4166-4E9F-98EB-84A3327D0312}"/>
+              </a:ext>
+            </a:extLst>
+          </p:cNvPr>
+          <p:cNvPicPr>
+            <a:picLocks noChangeAspect="1"/>
+          </p:cNvPicPr>
+          <p:nvPr/>
+        </p:nvPicPr>
+        <p:blipFill>
+          <a:blip r:embed="rId4"/>
+          <a:stretch>
+            <a:fillRect/>
+          </a:stretch>
+        </p:blipFill>
+        <p:spPr>
+          <a:xfrm>
+            <a:off x="281641" y="3643343"/>
+            <a:ext cx="2981741" cy="2762636"/>
+          </a:xfrm>
+          <a:prstGeom prst="rect">
+            <a:avLst/>
+          </a:prstGeom>
+        </p:spPr>
+      </p:pic>
+      <p:pic>
+        <p:nvPicPr>
+          <p:cNvPr id="9" name="Picture 8">
+            <a:extLst>
+              <a:ext uri="{FF2B5EF4-FFF2-40B4-BE49-F238E27FC236}">
+                <a16:creationId xmlns:a16="http://schemas.microsoft.com/office/drawing/2014/main" id="{8473F70A-3872-4C57-A33D-DEBF8D187C4E}"/>
+              </a:ext>
+            </a:extLst>
+          </p:cNvPr>
+          <p:cNvPicPr>
+            <a:picLocks noChangeAspect="1"/>
+          </p:cNvPicPr>
+          <p:nvPr/>
+        </p:nvPicPr>
+        <p:blipFill>
+          <a:blip r:embed="rId5"/>
+          <a:stretch>
+            <a:fillRect/>
+          </a:stretch>
+        </p:blipFill>
+        <p:spPr>
+          <a:xfrm>
+            <a:off x="9240400" y="1065402"/>
+            <a:ext cx="2951600" cy="2796903"/>
+          </a:xfrm>
+          <a:prstGeom prst="rect">
+            <a:avLst/>
+          </a:prstGeom>
+        </p:spPr>
+      </p:pic>
+      <p:sp>
+        <p:nvSpPr>
+          <p:cNvPr id="10" name="TextBox 9">
+            <a:extLst>
+              <a:ext uri="{FF2B5EF4-FFF2-40B4-BE49-F238E27FC236}">
+                <a16:creationId xmlns:a16="http://schemas.microsoft.com/office/drawing/2014/main" id="{8E184FD2-2D9E-4C8A-9826-FDF8D5E3F119}"/>
+              </a:ext>
+            </a:extLst>
+          </p:cNvPr>
+          <p:cNvSpPr txBox="1"/>
+          <p:nvPr/>
+        </p:nvSpPr>
+        <p:spPr>
+          <a:xfrm>
+            <a:off x="83857" y="52280"/>
+            <a:ext cx="2283647" cy="954107"/>
+          </a:xfrm>
+          <a:prstGeom prst="rect">
+            <a:avLst/>
+          </a:prstGeom>
+          <a:noFill/>
+        </p:spPr>
+        <p:txBody>
+          <a:bodyPr wrap="square" rtlCol="0">
+            <a:spAutoFit/>
+          </a:bodyPr>
+          <a:lstStyle/>
+          <a:p>
+            <a:r>
+              <a:rPr lang="en-US" sz="2800" b="1" dirty="0">
+                <a:solidFill>
+                  <a:srgbClr val="FF0000"/>
+                </a:solidFill>
+                <a:latin typeface="Arial Black" panose="020B0A04020102020204" pitchFamily="34" charset="0"/>
+              </a:rPr>
+              <a:t>Grooming Salon</a:t>
+            </a:r>
+          </a:p>
+        </p:txBody>
+      </p:sp>
+      <p:pic>
+        <p:nvPicPr>
+          <p:cNvPr id="4" name="Graphic 3">
+            <a:extLst>
+              <a:ext uri="{FF2B5EF4-FFF2-40B4-BE49-F238E27FC236}">
+                <a16:creationId xmlns:a16="http://schemas.microsoft.com/office/drawing/2014/main" id="{1855714E-C276-4155-AEF6-F1011AF6CE6B}"/>
+              </a:ext>
+            </a:extLst>
+          </p:cNvPr>
+          <p:cNvPicPr>
+            <a:picLocks noChangeAspect="1"/>
+          </p:cNvPicPr>
+          <p:nvPr/>
+        </p:nvPicPr>
+        <p:blipFill>
+          <a:blip r:embed="rId6">
+            <a:extLst>
+              <a:ext uri="{28A0092B-C50C-407E-A947-70E740481C1C}">
+                <a14:useLocalDpi xmlns:a14="http://schemas.microsoft.com/office/drawing/2010/main" val="0"/>
+              </a:ext>
+              <a:ext uri="{96DAC541-7B7A-43D3-8B79-37D633B846F1}">
+                <asvg:svgBlip xmlns:asvg="http://schemas.microsoft.com/office/drawing/2016/SVG/main" r:embed="rId7"/>
+              </a:ext>
+              <a:ext uri="{837473B0-CC2E-450A-ABE3-18F120FF3D39}">
+                <a1611:picAttrSrcUrl xmlns:a1611="http://schemas.microsoft.com/office/drawing/2016/11/main" r:id="rId8"/>
+              </a:ext>
+            </a:extLst>
+          </a:blip>
+          <a:stretch>
+            <a:fillRect/>
+          </a:stretch>
+        </p:blipFill>
+        <p:spPr>
+          <a:xfrm>
+            <a:off x="9215046" y="3643343"/>
+            <a:ext cx="2820466" cy="2762636"/>
+          </a:xfrm>
+          <a:prstGeom prst="rect">
+            <a:avLst/>
+          </a:prstGeom>
+        </p:spPr>
+      </p:pic>
+      <p:pic>
+        <p:nvPicPr>
+          <p:cNvPr id="2" name="Graphic 1" descr="Dog House outline">
+            <a:extLst>
+              <a:ext uri="{FF2B5EF4-FFF2-40B4-BE49-F238E27FC236}">
+                <a16:creationId xmlns:a16="http://schemas.microsoft.com/office/drawing/2014/main" id="{660769B6-E7B3-C813-BE77-86CA6E8114D8}"/>
+              </a:ext>
+            </a:extLst>
+          </p:cNvPr>
+          <p:cNvPicPr>
+            <a:picLocks noChangeAspect="1"/>
+          </p:cNvPicPr>
+          <p:nvPr/>
+        </p:nvPicPr>
+        <p:blipFill>
+          <a:blip r:embed="rId9">
+            <a:extLst>
+              <a:ext uri="{28A0092B-C50C-407E-A947-70E740481C1C}">
+                <a14:useLocalDpi xmlns:a14="http://schemas.microsoft.com/office/drawing/2010/main" val="0"/>
+              </a:ext>
+              <a:ext uri="{96DAC541-7B7A-43D3-8B79-37D633B846F1}">
+                <asvg:svgBlip xmlns:asvg="http://schemas.microsoft.com/office/drawing/2016/SVG/main" r:embed="rId10"/>
+              </a:ext>
+            </a:extLst>
+          </a:blip>
+          <a:stretch>
+            <a:fillRect/>
+          </a:stretch>
+        </p:blipFill>
+        <p:spPr>
+          <a:xfrm>
+            <a:off x="2367504" y="223264"/>
+            <a:ext cx="741502" cy="741502"/>
+          </a:xfrm>
+          <a:prstGeom prst="rect">
+            <a:avLst/>
+          </a:prstGeom>
+        </p:spPr>
+      </p:pic>
+      <p:pic>
+        <p:nvPicPr>
+          <p:cNvPr id="6" name="Graphic 5" descr="Dog with solid fill">
+            <a:extLst>
+              <a:ext uri="{FF2B5EF4-FFF2-40B4-BE49-F238E27FC236}">
+                <a16:creationId xmlns:a16="http://schemas.microsoft.com/office/drawing/2014/main" id="{367AFF8F-94E3-0344-3678-79955B3F9EF7}"/>
+              </a:ext>
+            </a:extLst>
+          </p:cNvPr>
+          <p:cNvPicPr>
+            <a:picLocks noChangeAspect="1"/>
+          </p:cNvPicPr>
+          <p:nvPr/>
+        </p:nvPicPr>
+        <p:blipFill>
+          <a:blip r:embed="rId11">
+            <a:extLst>
+              <a:ext uri="{28A0092B-C50C-407E-A947-70E740481C1C}">
+                <a14:useLocalDpi xmlns:a14="http://schemas.microsoft.com/office/drawing/2010/main" val="0"/>
+              </a:ext>
+              <a:ext uri="{96DAC541-7B7A-43D3-8B79-37D633B846F1}">
+                <asvg:svgBlip xmlns:asvg="http://schemas.microsoft.com/office/drawing/2016/SVG/main" r:embed="rId12"/>
+              </a:ext>
+            </a:extLst>
+          </a:blip>
+          <a:stretch>
+            <a:fillRect/>
+          </a:stretch>
+        </p:blipFill>
+        <p:spPr>
+          <a:xfrm>
+            <a:off x="5387665" y="262420"/>
+            <a:ext cx="759736" cy="759736"/>
+          </a:xfrm>
+          <a:prstGeom prst="rect">
+            <a:avLst/>
+          </a:prstGeom>
+        </p:spPr>
+      </p:pic>
+      <p:pic>
+        <p:nvPicPr>
+          <p:cNvPr id="8" name="Graphic 7" descr="Puppy outline">
+            <a:extLst>
+              <a:ext uri="{FF2B5EF4-FFF2-40B4-BE49-F238E27FC236}">
+                <a16:creationId xmlns:a16="http://schemas.microsoft.com/office/drawing/2014/main" id="{8B766C11-A0B9-64AC-406C-DDCE6C2C4AF6}"/>
+              </a:ext>
+            </a:extLst>
+          </p:cNvPr>
+          <p:cNvPicPr>
+            <a:picLocks noChangeAspect="1"/>
+          </p:cNvPicPr>
+          <p:nvPr/>
+        </p:nvPicPr>
+        <p:blipFill>
+          <a:blip r:embed="rId13">
+            <a:extLst>
+              <a:ext uri="{28A0092B-C50C-407E-A947-70E740481C1C}">
+                <a14:useLocalDpi xmlns:a14="http://schemas.microsoft.com/office/drawing/2010/main" val="0"/>
+              </a:ext>
+              <a:ext uri="{96DAC541-7B7A-43D3-8B79-37D633B846F1}">
+                <asvg:svgBlip xmlns:asvg="http://schemas.microsoft.com/office/drawing/2016/SVG/main" r:embed="rId14"/>
+              </a:ext>
+            </a:extLst>
+          </a:blip>
+          <a:stretch>
+            <a:fillRect/>
+          </a:stretch>
+        </p:blipFill>
+        <p:spPr>
+          <a:xfrm>
+            <a:off x="3721416" y="193415"/>
+            <a:ext cx="823812" cy="823812"/>
+          </a:xfrm>
+          <a:prstGeom prst="rect">
+            <a:avLst/>
+          </a:prstGeom>
+        </p:spPr>
+      </p:pic>
+      <p:pic>
+        <p:nvPicPr>
+          <p:cNvPr id="11" name="Graphic 10" descr="Balloon animal outline">
+            <a:extLst>
+              <a:ext uri="{FF2B5EF4-FFF2-40B4-BE49-F238E27FC236}">
+                <a16:creationId xmlns:a16="http://schemas.microsoft.com/office/drawing/2014/main" id="{D53B8561-5819-54B9-67CB-00CE938B016F}"/>
+              </a:ext>
+            </a:extLst>
+          </p:cNvPr>
+          <p:cNvPicPr>
+            <a:picLocks noChangeAspect="1"/>
+          </p:cNvPicPr>
+          <p:nvPr/>
+        </p:nvPicPr>
+        <p:blipFill>
+          <a:blip r:embed="rId15">
+            <a:extLst>
+              <a:ext uri="{28A0092B-C50C-407E-A947-70E740481C1C}">
+                <a14:useLocalDpi xmlns:a14="http://schemas.microsoft.com/office/drawing/2010/main" val="0"/>
+              </a:ext>
+              <a:ext uri="{96DAC541-7B7A-43D3-8B79-37D633B846F1}">
+                <asvg:svgBlip xmlns:asvg="http://schemas.microsoft.com/office/drawing/2016/SVG/main" r:embed="rId16"/>
+              </a:ext>
+            </a:extLst>
+          </a:blip>
+          <a:stretch>
+            <a:fillRect/>
+          </a:stretch>
+        </p:blipFill>
+        <p:spPr>
+          <a:xfrm>
+            <a:off x="7208240" y="262420"/>
+            <a:ext cx="754807" cy="754807"/>
+          </a:xfrm>
+          <a:prstGeom prst="rect">
+            <a:avLst/>
+          </a:prstGeom>
+        </p:spPr>
+      </p:pic>
+      <p:sp>
+        <p:nvSpPr>
+          <p:cNvPr id="12" name="TextBox 11">
+            <a:extLst>
+              <a:ext uri="{FF2B5EF4-FFF2-40B4-BE49-F238E27FC236}">
+                <a16:creationId xmlns:a16="http://schemas.microsoft.com/office/drawing/2014/main" id="{01CB3FEE-8C8C-8127-2532-08A55C5E315D}"/>
+              </a:ext>
+            </a:extLst>
+          </p:cNvPr>
+          <p:cNvSpPr txBox="1"/>
+          <p:nvPr/>
+        </p:nvSpPr>
+        <p:spPr>
+          <a:xfrm>
+            <a:off x="2095518" y="892621"/>
+            <a:ext cx="6040074" cy="276999"/>
+          </a:xfrm>
+          <a:prstGeom prst="rect">
+            <a:avLst/>
+          </a:prstGeom>
+          <a:noFill/>
+        </p:spPr>
+        <p:txBody>
+          <a:bodyPr wrap="square" rtlCol="0">
+            <a:spAutoFit/>
+          </a:bodyPr>
+          <a:lstStyle/>
+          <a:p>
+            <a:r>
+              <a:rPr lang="en-US" sz="1200" dirty="0"/>
+              <a:t>      Homepage                     Grooming                            Map to Store                               Contact US</a:t>
+            </a:r>
+          </a:p>
+        </p:txBody>
+      </p:sp>
+      <p:pic>
+        <p:nvPicPr>
+          <p:cNvPr id="14" name="Graphic 13" descr="Puppy 2 outline">
+            <a:extLst>
+              <a:ext uri="{FF2B5EF4-FFF2-40B4-BE49-F238E27FC236}">
+                <a16:creationId xmlns:a16="http://schemas.microsoft.com/office/drawing/2014/main" id="{DFDAC74C-7EFC-7FCC-C049-75C4E23E0633}"/>
+              </a:ext>
+            </a:extLst>
+          </p:cNvPr>
+          <p:cNvPicPr>
+            <a:picLocks noChangeAspect="1"/>
+          </p:cNvPicPr>
+          <p:nvPr/>
+        </p:nvPicPr>
+        <p:blipFill>
+          <a:blip r:embed="rId17">
+            <a:extLst>
+              <a:ext uri="{28A0092B-C50C-407E-A947-70E740481C1C}">
+                <a14:useLocalDpi xmlns:a14="http://schemas.microsoft.com/office/drawing/2010/main" val="0"/>
+              </a:ext>
+              <a:ext uri="{96DAC541-7B7A-43D3-8B79-37D633B846F1}">
+                <asvg:svgBlip xmlns:asvg="http://schemas.microsoft.com/office/drawing/2016/SVG/main" r:embed="rId18"/>
+              </a:ext>
+            </a:extLst>
+          </a:blip>
+          <a:stretch>
+            <a:fillRect/>
+          </a:stretch>
+        </p:blipFill>
+        <p:spPr>
+          <a:xfrm>
+            <a:off x="8520829" y="151002"/>
+            <a:ext cx="914400" cy="914400"/>
+          </a:xfrm>
+          <a:prstGeom prst="rect">
+            <a:avLst/>
+          </a:prstGeom>
+        </p:spPr>
+      </p:pic>
+      <p:sp>
+        <p:nvSpPr>
+          <p:cNvPr id="15" name="TextBox 14">
+            <a:extLst>
+              <a:ext uri="{FF2B5EF4-FFF2-40B4-BE49-F238E27FC236}">
+                <a16:creationId xmlns:a16="http://schemas.microsoft.com/office/drawing/2014/main" id="{0528D750-6F95-E33D-E7D4-7628A9A43C29}"/>
+              </a:ext>
+            </a:extLst>
+          </p:cNvPr>
+          <p:cNvSpPr txBox="1"/>
+          <p:nvPr/>
+        </p:nvSpPr>
+        <p:spPr>
+          <a:xfrm>
+            <a:off x="8420390" y="892621"/>
+            <a:ext cx="1640019" cy="276999"/>
+          </a:xfrm>
+          <a:prstGeom prst="rect">
+            <a:avLst/>
+          </a:prstGeom>
+          <a:noFill/>
+        </p:spPr>
+        <p:txBody>
+          <a:bodyPr wrap="square" rtlCol="0">
+            <a:spAutoFit/>
+          </a:bodyPr>
+          <a:lstStyle/>
+          <a:p>
+            <a:r>
+              <a:rPr lang="en-US" sz="1200" dirty="0"/>
+              <a:t>Selecting the Right Dog</a:t>
+            </a:r>
+          </a:p>
+        </p:txBody>
+      </p:sp>
+    </p:spTree>
+    <p:extLst>
+      <p:ext uri="{BB962C8B-B14F-4D97-AF65-F5344CB8AC3E}">
+        <p14:creationId xmlns:p14="http://schemas.microsoft.com/office/powerpoint/2010/main" val="1260610746"/>
+      </p:ext>
+    </p:extLst>
+  </p:cSld>
+  <p:clrMapOvr>
+    <a:masterClrMapping/>
+  </p:clrMapOvr>
+</p:sld>
+</file>
+
+<file path=ppt/slides/slide4.xml><?xml version="1.0" encoding="utf-8"?>
+<p:sld xmlns:a="http://schemas.openxmlformats.org/drawingml/2006/main" xmlns:r="http://schemas.openxmlformats.org/officeDocument/2006/relationships" xmlns:p="http://schemas.openxmlformats.org/presentationml/2006/main">
+  <p:cSld>
+    <p:spTree>
+      <p:nvGrpSpPr>
+        <p:cNvPr id="1" name=""/>
+        <p:cNvGrpSpPr/>
+        <p:nvPr/>
+      </p:nvGrpSpPr>
+      <p:grpSpPr>
+        <a:xfrm>
+          <a:off x="0" y="0"/>
+          <a:ext cx="0" cy="0"/>
+          <a:chOff x="0" y="0"/>
+          <a:chExt cx="0" cy="0"/>
+        </a:xfrm>
+      </p:grpSpPr>
       <p:sp>
         <p:nvSpPr>
           <p:cNvPr id="2" name="Title 1">
@@ -5589,14 +6354,461 @@
             <p:ph type="title"/>
           </p:nvPr>
         </p:nvSpPr>
-        <p:spPr/>
-        <p:txBody>
-          <a:bodyPr/>
+        <p:spPr>
+          <a:xfrm>
+            <a:off x="276138" y="219507"/>
+            <a:ext cx="1057712" cy="549275"/>
+          </a:xfrm>
+        </p:spPr>
+        <p:txBody>
+          <a:bodyPr>
+            <a:normAutofit/>
+          </a:bodyPr>
           <a:lstStyle/>
           <a:p>
             <a:r>
-              <a:rPr lang="en-US" dirty="0"/>
-              <a:t>Information:</a:t>
+              <a:rPr lang="en-US" sz="1200" dirty="0"/>
+              <a:t>Map to Store:</a:t>
+            </a:r>
+          </a:p>
+        </p:txBody>
+      </p:sp>
+      <p:pic>
+        <p:nvPicPr>
+          <p:cNvPr id="23" name="Graphic 22" descr="Dog House outline">
+            <a:extLst>
+              <a:ext uri="{FF2B5EF4-FFF2-40B4-BE49-F238E27FC236}">
+                <a16:creationId xmlns:a16="http://schemas.microsoft.com/office/drawing/2014/main" id="{D625DDF4-A99F-01D1-0BBF-538EEC73826D}"/>
+              </a:ext>
+            </a:extLst>
+          </p:cNvPr>
+          <p:cNvPicPr>
+            <a:picLocks noChangeAspect="1"/>
+          </p:cNvPicPr>
+          <p:nvPr/>
+        </p:nvPicPr>
+        <p:blipFill>
+          <a:blip r:embed="rId2">
+            <a:extLst>
+              <a:ext uri="{28A0092B-C50C-407E-A947-70E740481C1C}">
+                <a14:useLocalDpi xmlns:a14="http://schemas.microsoft.com/office/drawing/2010/main" val="0"/>
+              </a:ext>
+              <a:ext uri="{96DAC541-7B7A-43D3-8B79-37D633B846F1}">
+                <asvg:svgBlip xmlns:asvg="http://schemas.microsoft.com/office/drawing/2016/SVG/main" r:embed="rId3"/>
+              </a:ext>
+            </a:extLst>
+          </a:blip>
+          <a:stretch>
+            <a:fillRect/>
+          </a:stretch>
+        </p:blipFill>
+        <p:spPr>
+          <a:xfrm>
+            <a:off x="2897740" y="238214"/>
+            <a:ext cx="741502" cy="741502"/>
+          </a:xfrm>
+          <a:prstGeom prst="rect">
+            <a:avLst/>
+          </a:prstGeom>
+        </p:spPr>
+      </p:pic>
+      <p:pic>
+        <p:nvPicPr>
+          <p:cNvPr id="24" name="Graphic 23" descr="Dog with solid fill">
+            <a:extLst>
+              <a:ext uri="{FF2B5EF4-FFF2-40B4-BE49-F238E27FC236}">
+                <a16:creationId xmlns:a16="http://schemas.microsoft.com/office/drawing/2014/main" id="{3AA2996A-34F5-2982-DEA2-F752BDED5357}"/>
+              </a:ext>
+            </a:extLst>
+          </p:cNvPr>
+          <p:cNvPicPr>
+            <a:picLocks noChangeAspect="1"/>
+          </p:cNvPicPr>
+          <p:nvPr/>
+        </p:nvPicPr>
+        <p:blipFill>
+          <a:blip r:embed="rId4">
+            <a:extLst>
+              <a:ext uri="{28A0092B-C50C-407E-A947-70E740481C1C}">
+                <a14:useLocalDpi xmlns:a14="http://schemas.microsoft.com/office/drawing/2010/main" val="0"/>
+              </a:ext>
+              <a:ext uri="{96DAC541-7B7A-43D3-8B79-37D633B846F1}">
+                <asvg:svgBlip xmlns:asvg="http://schemas.microsoft.com/office/drawing/2016/SVG/main" r:embed="rId5"/>
+              </a:ext>
+            </a:extLst>
+          </a:blip>
+          <a:stretch>
+            <a:fillRect/>
+          </a:stretch>
+        </p:blipFill>
+        <p:spPr>
+          <a:xfrm>
+            <a:off x="5917901" y="277370"/>
+            <a:ext cx="759736" cy="759736"/>
+          </a:xfrm>
+          <a:prstGeom prst="rect">
+            <a:avLst/>
+          </a:prstGeom>
+        </p:spPr>
+      </p:pic>
+      <p:pic>
+        <p:nvPicPr>
+          <p:cNvPr id="25" name="Graphic 24" descr="Puppy outline">
+            <a:extLst>
+              <a:ext uri="{FF2B5EF4-FFF2-40B4-BE49-F238E27FC236}">
+                <a16:creationId xmlns:a16="http://schemas.microsoft.com/office/drawing/2014/main" id="{B04663C3-46B0-149E-5B09-F5CFAEBBB9F1}"/>
+              </a:ext>
+            </a:extLst>
+          </p:cNvPr>
+          <p:cNvPicPr>
+            <a:picLocks noChangeAspect="1"/>
+          </p:cNvPicPr>
+          <p:nvPr/>
+        </p:nvPicPr>
+        <p:blipFill>
+          <a:blip r:embed="rId6">
+            <a:extLst>
+              <a:ext uri="{28A0092B-C50C-407E-A947-70E740481C1C}">
+                <a14:useLocalDpi xmlns:a14="http://schemas.microsoft.com/office/drawing/2010/main" val="0"/>
+              </a:ext>
+              <a:ext uri="{96DAC541-7B7A-43D3-8B79-37D633B846F1}">
+                <asvg:svgBlip xmlns:asvg="http://schemas.microsoft.com/office/drawing/2016/SVG/main" r:embed="rId7"/>
+              </a:ext>
+            </a:extLst>
+          </a:blip>
+          <a:stretch>
+            <a:fillRect/>
+          </a:stretch>
+        </p:blipFill>
+        <p:spPr>
+          <a:xfrm>
+            <a:off x="4251652" y="208365"/>
+            <a:ext cx="823812" cy="823812"/>
+          </a:xfrm>
+          <a:prstGeom prst="rect">
+            <a:avLst/>
+          </a:prstGeom>
+        </p:spPr>
+      </p:pic>
+      <p:pic>
+        <p:nvPicPr>
+          <p:cNvPr id="26" name="Graphic 25" descr="Balloon animal outline">
+            <a:extLst>
+              <a:ext uri="{FF2B5EF4-FFF2-40B4-BE49-F238E27FC236}">
+                <a16:creationId xmlns:a16="http://schemas.microsoft.com/office/drawing/2014/main" id="{9FE9D7FD-8058-7586-D8A7-724CAC3C8A50}"/>
+              </a:ext>
+            </a:extLst>
+          </p:cNvPr>
+          <p:cNvPicPr>
+            <a:picLocks noChangeAspect="1"/>
+          </p:cNvPicPr>
+          <p:nvPr/>
+        </p:nvPicPr>
+        <p:blipFill>
+          <a:blip r:embed="rId8">
+            <a:extLst>
+              <a:ext uri="{28A0092B-C50C-407E-A947-70E740481C1C}">
+                <a14:useLocalDpi xmlns:a14="http://schemas.microsoft.com/office/drawing/2010/main" val="0"/>
+              </a:ext>
+              <a:ext uri="{96DAC541-7B7A-43D3-8B79-37D633B846F1}">
+                <asvg:svgBlip xmlns:asvg="http://schemas.microsoft.com/office/drawing/2016/SVG/main" r:embed="rId9"/>
+              </a:ext>
+            </a:extLst>
+          </a:blip>
+          <a:stretch>
+            <a:fillRect/>
+          </a:stretch>
+        </p:blipFill>
+        <p:spPr>
+          <a:xfrm>
+            <a:off x="7738476" y="277370"/>
+            <a:ext cx="754807" cy="754807"/>
+          </a:xfrm>
+          <a:prstGeom prst="rect">
+            <a:avLst/>
+          </a:prstGeom>
+        </p:spPr>
+      </p:pic>
+      <p:sp>
+        <p:nvSpPr>
+          <p:cNvPr id="27" name="TextBox 26">
+            <a:extLst>
+              <a:ext uri="{FF2B5EF4-FFF2-40B4-BE49-F238E27FC236}">
+                <a16:creationId xmlns:a16="http://schemas.microsoft.com/office/drawing/2014/main" id="{6491D77D-C7A4-F0BE-4E08-C73FB19AF81D}"/>
+              </a:ext>
+            </a:extLst>
+          </p:cNvPr>
+          <p:cNvSpPr txBox="1"/>
+          <p:nvPr/>
+        </p:nvSpPr>
+        <p:spPr>
+          <a:xfrm>
+            <a:off x="2625754" y="907571"/>
+            <a:ext cx="6040074" cy="276999"/>
+          </a:xfrm>
+          <a:prstGeom prst="rect">
+            <a:avLst/>
+          </a:prstGeom>
+          <a:noFill/>
+        </p:spPr>
+        <p:txBody>
+          <a:bodyPr wrap="square" rtlCol="0">
+            <a:spAutoFit/>
+          </a:bodyPr>
+          <a:lstStyle/>
+          <a:p>
+            <a:r>
+              <a:rPr lang="en-US" sz="1200" dirty="0"/>
+              <a:t>      Homepage                     Grooming                            Map to Store                               Contact US</a:t>
+            </a:r>
+          </a:p>
+        </p:txBody>
+      </p:sp>
+      <p:pic>
+        <p:nvPicPr>
+          <p:cNvPr id="11" name="Picture 10">
+            <a:extLst>
+              <a:ext uri="{FF2B5EF4-FFF2-40B4-BE49-F238E27FC236}">
+                <a16:creationId xmlns:a16="http://schemas.microsoft.com/office/drawing/2014/main" id="{245E7BA0-C0E8-C68E-4384-B3323CF5C1FB}"/>
+              </a:ext>
+            </a:extLst>
+          </p:cNvPr>
+          <p:cNvPicPr>
+            <a:picLocks noChangeAspect="1"/>
+          </p:cNvPicPr>
+          <p:nvPr/>
+        </p:nvPicPr>
+        <p:blipFill>
+          <a:blip r:embed="rId10"/>
+          <a:stretch>
+            <a:fillRect/>
+          </a:stretch>
+        </p:blipFill>
+        <p:spPr>
+          <a:xfrm>
+            <a:off x="6297769" y="2442152"/>
+            <a:ext cx="2962275" cy="2952750"/>
+          </a:xfrm>
+          <a:prstGeom prst="rect">
+            <a:avLst/>
+          </a:prstGeom>
+          <a:ln w="9525" cap="sq" cmpd="thickThin">
+            <a:solidFill>
+              <a:srgbClr val="000000"/>
+            </a:solidFill>
+            <a:prstDash val="solid"/>
+            <a:miter lim="800000"/>
+          </a:ln>
+          <a:effectLst>
+            <a:innerShdw blurRad="76200">
+              <a:srgbClr val="000000"/>
+            </a:innerShdw>
+          </a:effectLst>
+        </p:spPr>
+      </p:pic>
+      <p:sp>
+        <p:nvSpPr>
+          <p:cNvPr id="13" name="Teardrop 12">
+            <a:extLst>
+              <a:ext uri="{FF2B5EF4-FFF2-40B4-BE49-F238E27FC236}">
+                <a16:creationId xmlns:a16="http://schemas.microsoft.com/office/drawing/2014/main" id="{CA8377C0-04D2-8915-C764-CCAABDB9ED82}"/>
+              </a:ext>
+            </a:extLst>
+          </p:cNvPr>
+          <p:cNvSpPr/>
+          <p:nvPr/>
+        </p:nvSpPr>
+        <p:spPr>
+          <a:xfrm>
+            <a:off x="7551607" y="3053593"/>
+            <a:ext cx="186869" cy="167780"/>
+          </a:xfrm>
+          <a:prstGeom prst="teardrop">
+            <a:avLst/>
+          </a:prstGeom>
+          <a:solidFill>
+            <a:srgbClr val="FF0000"/>
+          </a:solidFill>
+        </p:spPr>
+        <p:style>
+          <a:lnRef idx="2">
+            <a:schemeClr val="accent1">
+              <a:shade val="15000"/>
+            </a:schemeClr>
+          </a:lnRef>
+          <a:fillRef idx="1">
+            <a:schemeClr val="accent1"/>
+          </a:fillRef>
+          <a:effectRef idx="0">
+            <a:schemeClr val="accent1"/>
+          </a:effectRef>
+          <a:fontRef idx="minor">
+            <a:schemeClr val="lt1"/>
+          </a:fontRef>
+        </p:style>
+        <p:txBody>
+          <a:bodyPr rtlCol="0" anchor="ctr"/>
+          <a:lstStyle/>
+          <a:p>
+            <a:pPr algn="ctr"/>
+            <a:endParaRPr lang="en-US"/>
+          </a:p>
+        </p:txBody>
+      </p:sp>
+      <p:pic>
+        <p:nvPicPr>
+          <p:cNvPr id="17" name="Picture 16" descr="A blue paw print on a black background&#10;&#10;Description automatically generated">
+            <a:extLst>
+              <a:ext uri="{FF2B5EF4-FFF2-40B4-BE49-F238E27FC236}">
+                <a16:creationId xmlns:a16="http://schemas.microsoft.com/office/drawing/2014/main" id="{C5B48315-1C11-ACAD-AF4B-5FD1E7960017}"/>
+              </a:ext>
+            </a:extLst>
+          </p:cNvPr>
+          <p:cNvPicPr>
+            <a:picLocks noChangeAspect="1"/>
+          </p:cNvPicPr>
+          <p:nvPr/>
+        </p:nvPicPr>
+        <p:blipFill>
+          <a:blip r:embed="rId11">
+            <a:alphaModFix amt="70000"/>
+            <a:extLst>
+              <a:ext uri="{28A0092B-C50C-407E-A947-70E740481C1C}">
+                <a14:useLocalDpi xmlns:a14="http://schemas.microsoft.com/office/drawing/2010/main" val="0"/>
+              </a:ext>
+            </a:extLst>
+          </a:blip>
+          <a:stretch>
+            <a:fillRect/>
+          </a:stretch>
+        </p:blipFill>
+        <p:spPr>
+          <a:xfrm>
+            <a:off x="958563" y="1731383"/>
+            <a:ext cx="5071476" cy="5071476"/>
+          </a:xfrm>
+          <a:prstGeom prst="rect">
+            <a:avLst/>
+          </a:prstGeom>
+        </p:spPr>
+      </p:pic>
+      <p:sp>
+        <p:nvSpPr>
+          <p:cNvPr id="15" name="TextBox 14">
+            <a:extLst>
+              <a:ext uri="{FF2B5EF4-FFF2-40B4-BE49-F238E27FC236}">
+                <a16:creationId xmlns:a16="http://schemas.microsoft.com/office/drawing/2014/main" id="{1D168486-E4A0-83DC-D7C3-0866C30646FE}"/>
+              </a:ext>
+            </a:extLst>
+          </p:cNvPr>
+          <p:cNvSpPr txBox="1"/>
+          <p:nvPr/>
+        </p:nvSpPr>
+        <p:spPr>
+          <a:xfrm>
+            <a:off x="2850676" y="5071736"/>
+            <a:ext cx="1577131" cy="646331"/>
+          </a:xfrm>
+          <a:prstGeom prst="rect">
+            <a:avLst/>
+          </a:prstGeom>
+          <a:noFill/>
+        </p:spPr>
+        <p:txBody>
+          <a:bodyPr wrap="square" rtlCol="0">
+            <a:spAutoFit/>
+          </a:bodyPr>
+          <a:lstStyle/>
+          <a:p>
+            <a:r>
+              <a:rPr lang="en-US" sz="1200" dirty="0">
+                <a:latin typeface="Times New Roman" panose="02020603050405020304" pitchFamily="18" charset="0"/>
+                <a:cs typeface="Times New Roman" panose="02020603050405020304" pitchFamily="18" charset="0"/>
+              </a:rPr>
+              <a:t>(480)123-4567</a:t>
+            </a:r>
+          </a:p>
+          <a:p>
+            <a:r>
+              <a:rPr lang="en-US" sz="1200" dirty="0">
+                <a:latin typeface="Times New Roman" panose="02020603050405020304" pitchFamily="18" charset="0"/>
+                <a:cs typeface="Times New Roman" panose="02020603050405020304" pitchFamily="18" charset="0"/>
+              </a:rPr>
+              <a:t>1751 E Broadway Rd, </a:t>
+            </a:r>
+          </a:p>
+          <a:p>
+            <a:r>
+              <a:rPr lang="en-US" sz="1200" dirty="0">
+                <a:latin typeface="Times New Roman" panose="02020603050405020304" pitchFamily="18" charset="0"/>
+                <a:cs typeface="Times New Roman" panose="02020603050405020304" pitchFamily="18" charset="0"/>
+              </a:rPr>
+              <a:t>Tempe, AZ 85282</a:t>
+            </a:r>
+          </a:p>
+        </p:txBody>
+      </p:sp>
+    </p:spTree>
+    <p:extLst>
+      <p:ext uri="{BB962C8B-B14F-4D97-AF65-F5344CB8AC3E}">
+        <p14:creationId xmlns:p14="http://schemas.microsoft.com/office/powerpoint/2010/main" val="967439446"/>
+      </p:ext>
+    </p:extLst>
+  </p:cSld>
+  <p:clrMapOvr>
+    <a:masterClrMapping/>
+  </p:clrMapOvr>
+</p:sld>
+</file>
+
+<file path=ppt/slides/slide5.xml><?xml version="1.0" encoding="utf-8"?>
+<p:sld xmlns:a="http://schemas.openxmlformats.org/drawingml/2006/main" xmlns:r="http://schemas.openxmlformats.org/officeDocument/2006/relationships" xmlns:p="http://schemas.openxmlformats.org/presentationml/2006/main">
+  <p:cSld>
+    <p:spTree>
+      <p:nvGrpSpPr>
+        <p:cNvPr id="1" name=""/>
+        <p:cNvGrpSpPr/>
+        <p:nvPr/>
+      </p:nvGrpSpPr>
+      <p:grpSpPr>
+        <a:xfrm>
+          <a:off x="0" y="0"/>
+          <a:ext cx="0" cy="0"/>
+          <a:chOff x="0" y="0"/>
+          <a:chExt cx="0" cy="0"/>
+        </a:xfrm>
+      </p:grpSpPr>
+      <p:sp>
+        <p:nvSpPr>
+          <p:cNvPr id="2" name="Title 1">
+            <a:extLst>
+              <a:ext uri="{FF2B5EF4-FFF2-40B4-BE49-F238E27FC236}">
+                <a16:creationId xmlns:a16="http://schemas.microsoft.com/office/drawing/2014/main" id="{8249D2E3-0404-4E09-A936-D3D2BD9353C0}"/>
+              </a:ext>
+            </a:extLst>
+          </p:cNvPr>
+          <p:cNvSpPr>
+            <a:spLocks noGrp="1"/>
+          </p:cNvSpPr>
+          <p:nvPr>
+            <p:ph type="title"/>
+          </p:nvPr>
+        </p:nvSpPr>
+        <p:spPr>
+          <a:xfrm>
+            <a:off x="276138" y="219507"/>
+            <a:ext cx="1057712" cy="549275"/>
+          </a:xfrm>
+        </p:spPr>
+        <p:txBody>
+          <a:bodyPr>
+            <a:normAutofit/>
+          </a:bodyPr>
+          <a:lstStyle/>
+          <a:p>
+            <a:r>
+              <a:rPr lang="en-US" sz="1200" dirty="0"/>
+              <a:t>Contact Us:</a:t>
             </a:r>
           </a:p>
         </p:txBody>
@@ -5634,17 +6846,17 @@
         </p:blipFill>
         <p:spPr>
           <a:xfrm>
-            <a:off x="4263800" y="494145"/>
-            <a:ext cx="6379183" cy="5998730"/>
+            <a:off x="4263800" y="1223592"/>
+            <a:ext cx="6379183" cy="5269283"/>
           </a:xfrm>
         </p:spPr>
       </p:pic>
       <p:sp>
         <p:nvSpPr>
-          <p:cNvPr id="6" name="TextBox 5">
-            <a:extLst>
-              <a:ext uri="{FF2B5EF4-FFF2-40B4-BE49-F238E27FC236}">
-                <a16:creationId xmlns:a16="http://schemas.microsoft.com/office/drawing/2014/main" id="{2FA9AFFF-A955-4EA0-90FC-88DF09441B4A}"/>
+          <p:cNvPr id="7" name="TextBox 6">
+            <a:extLst>
+              <a:ext uri="{FF2B5EF4-FFF2-40B4-BE49-F238E27FC236}">
+                <a16:creationId xmlns:a16="http://schemas.microsoft.com/office/drawing/2014/main" id="{9A7D5B52-E748-4C62-83A3-841249E7B045}"/>
               </a:ext>
             </a:extLst>
           </p:cNvPr>
@@ -5653,8 +6865,8 @@
         </p:nvSpPr>
         <p:spPr>
           <a:xfrm>
-            <a:off x="4405745" y="2413001"/>
-            <a:ext cx="1274618" cy="369332"/>
+            <a:off x="6223499" y="1637220"/>
+            <a:ext cx="807038" cy="461665"/>
           </a:xfrm>
           <a:prstGeom prst="rect">
             <a:avLst/>
@@ -5668,18 +6880,24 @@
           <a:lstStyle/>
           <a:p>
             <a:r>
-              <a:rPr lang="en-US" dirty="0"/>
-              <a:t>Location:</a:t>
-            </a:r>
-          </a:p>
-        </p:txBody>
-      </p:sp>
-      <p:sp>
-        <p:nvSpPr>
-          <p:cNvPr id="7" name="TextBox 6">
-            <a:extLst>
-              <a:ext uri="{FF2B5EF4-FFF2-40B4-BE49-F238E27FC236}">
-                <a16:creationId xmlns:a16="http://schemas.microsoft.com/office/drawing/2014/main" id="{9A7D5B52-E748-4C62-83A3-841249E7B045}"/>
+              <a:rPr lang="en-US" sz="1200" dirty="0"/>
+              <a:t>Date &amp; </a:t>
+            </a:r>
+          </a:p>
+          <a:p>
+            <a:r>
+              <a:rPr lang="en-US" sz="1200" dirty="0"/>
+              <a:t>       Time:</a:t>
+            </a:r>
+          </a:p>
+        </p:txBody>
+      </p:sp>
+      <p:sp>
+        <p:nvSpPr>
+          <p:cNvPr id="8" name="TextBox 7">
+            <a:extLst>
+              <a:ext uri="{FF2B5EF4-FFF2-40B4-BE49-F238E27FC236}">
+                <a16:creationId xmlns:a16="http://schemas.microsoft.com/office/drawing/2014/main" id="{FAF1DBE3-EA42-4568-88A1-E112511E15A2}"/>
               </a:ext>
             </a:extLst>
           </p:cNvPr>
@@ -5688,8 +6906,8 @@
         </p:nvSpPr>
         <p:spPr>
           <a:xfrm>
-            <a:off x="7983264" y="1403866"/>
-            <a:ext cx="1154545" cy="646331"/>
+            <a:off x="4421926" y="2558323"/>
+            <a:ext cx="807039" cy="369332"/>
           </a:xfrm>
           <a:prstGeom prst="rect">
             <a:avLst/>
@@ -5703,24 +6921,22 @@
           <a:lstStyle/>
           <a:p>
             <a:r>
+              <a:rPr lang="en-US" sz="1200" dirty="0"/>
+              <a:t>Contact</a:t>
+            </a:r>
+            <a:r>
               <a:rPr lang="en-US" dirty="0"/>
-              <a:t>Date &amp; </a:t>
-            </a:r>
-          </a:p>
-          <a:p>
-            <a:r>
-              <a:rPr lang="en-US" dirty="0"/>
-              <a:t>       Time:</a:t>
-            </a:r>
-          </a:p>
-        </p:txBody>
-      </p:sp>
-      <p:sp>
-        <p:nvSpPr>
-          <p:cNvPr id="8" name="TextBox 7">
-            <a:extLst>
-              <a:ext uri="{FF2B5EF4-FFF2-40B4-BE49-F238E27FC236}">
-                <a16:creationId xmlns:a16="http://schemas.microsoft.com/office/drawing/2014/main" id="{FAF1DBE3-EA42-4568-88A1-E112511E15A2}"/>
+              <a:t>:</a:t>
+            </a:r>
+          </a:p>
+        </p:txBody>
+      </p:sp>
+      <p:sp>
+        <p:nvSpPr>
+          <p:cNvPr id="9" name="TextBox 8">
+            <a:extLst>
+              <a:ext uri="{FF2B5EF4-FFF2-40B4-BE49-F238E27FC236}">
+                <a16:creationId xmlns:a16="http://schemas.microsoft.com/office/drawing/2014/main" id="{638744AF-1B7C-4524-AF59-524273103407}"/>
               </a:ext>
             </a:extLst>
           </p:cNvPr>
@@ -5729,8 +6945,8 @@
         </p:nvSpPr>
         <p:spPr>
           <a:xfrm>
-            <a:off x="6096000" y="1024803"/>
-            <a:ext cx="1154545" cy="369332"/>
+            <a:off x="6780082" y="3727662"/>
+            <a:ext cx="1063625" cy="369332"/>
           </a:xfrm>
           <a:prstGeom prst="rect">
             <a:avLst/>
@@ -5745,17 +6961,17 @@
           <a:p>
             <a:r>
               <a:rPr lang="en-US" dirty="0"/>
-              <a:t>Contact:</a:t>
-            </a:r>
-          </a:p>
-        </p:txBody>
-      </p:sp>
-      <p:sp>
-        <p:nvSpPr>
-          <p:cNvPr id="9" name="TextBox 8">
-            <a:extLst>
-              <a:ext uri="{FF2B5EF4-FFF2-40B4-BE49-F238E27FC236}">
-                <a16:creationId xmlns:a16="http://schemas.microsoft.com/office/drawing/2014/main" id="{638744AF-1B7C-4524-AF59-524273103407}"/>
+              <a:t>Services:</a:t>
+            </a:r>
+          </a:p>
+        </p:txBody>
+      </p:sp>
+      <p:sp>
+        <p:nvSpPr>
+          <p:cNvPr id="10" name="TextBox 9">
+            <a:extLst>
+              <a:ext uri="{FF2B5EF4-FFF2-40B4-BE49-F238E27FC236}">
+                <a16:creationId xmlns:a16="http://schemas.microsoft.com/office/drawing/2014/main" id="{13CAA38D-2C18-41E4-BB98-07AD25C7432A}"/>
               </a:ext>
             </a:extLst>
           </p:cNvPr>
@@ -5764,8 +6980,8 @@
         </p:nvSpPr>
         <p:spPr>
           <a:xfrm>
-            <a:off x="6511634" y="4759115"/>
-            <a:ext cx="2715491" cy="369332"/>
+            <a:off x="8299482" y="1623094"/>
+            <a:ext cx="1074556" cy="461665"/>
           </a:xfrm>
           <a:prstGeom prst="rect">
             <a:avLst/>
@@ -5779,48 +6995,13 @@
           <a:lstStyle/>
           <a:p>
             <a:r>
-              <a:rPr lang="en-US" dirty="0"/>
-              <a:t>Services:</a:t>
-            </a:r>
-          </a:p>
-        </p:txBody>
-      </p:sp>
-      <p:sp>
-        <p:nvSpPr>
-          <p:cNvPr id="10" name="TextBox 9">
-            <a:extLst>
-              <a:ext uri="{FF2B5EF4-FFF2-40B4-BE49-F238E27FC236}">
-                <a16:creationId xmlns:a16="http://schemas.microsoft.com/office/drawing/2014/main" id="{13CAA38D-2C18-41E4-BB98-07AD25C7432A}"/>
-              </a:ext>
-            </a:extLst>
-          </p:cNvPr>
-          <p:cNvSpPr txBox="1"/>
-          <p:nvPr/>
-        </p:nvSpPr>
-        <p:spPr>
-          <a:xfrm>
-            <a:off x="9183446" y="2918280"/>
-            <a:ext cx="1209964" cy="646331"/>
-          </a:xfrm>
-          <a:prstGeom prst="rect">
-            <a:avLst/>
-          </a:prstGeom>
-          <a:noFill/>
-        </p:spPr>
-        <p:txBody>
-          <a:bodyPr wrap="square" rtlCol="0">
-            <a:spAutoFit/>
-          </a:bodyPr>
-          <a:lstStyle/>
-          <a:p>
-            <a:r>
-              <a:rPr lang="en-US" dirty="0"/>
+              <a:rPr lang="en-US" sz="1200" dirty="0"/>
               <a:t>Owners </a:t>
             </a:r>
           </a:p>
           <a:p>
             <a:r>
-              <a:rPr lang="en-US" dirty="0"/>
+              <a:rPr lang="en-US" sz="1200" dirty="0"/>
               <a:t>      Names:</a:t>
             </a:r>
           </a:p>
@@ -5888,162 +7069,238 @@
           </a:sp3d>
         </p:spPr>
       </p:pic>
-      <p:cxnSp>
-        <p:nvCxnSpPr>
-          <p:cNvPr id="14" name="Straight Arrow Connector 13">
-            <a:extLst>
-              <a:ext uri="{FF2B5EF4-FFF2-40B4-BE49-F238E27FC236}">
-                <a16:creationId xmlns:a16="http://schemas.microsoft.com/office/drawing/2014/main" id="{CAEDD028-361B-4BFD-9343-A64CAADB5AE4}"/>
-              </a:ext>
-            </a:extLst>
-          </p:cNvPr>
-          <p:cNvCxnSpPr/>
+      <p:pic>
+        <p:nvPicPr>
+          <p:cNvPr id="23" name="Graphic 22" descr="Dog House outline">
+            <a:extLst>
+              <a:ext uri="{FF2B5EF4-FFF2-40B4-BE49-F238E27FC236}">
+                <a16:creationId xmlns:a16="http://schemas.microsoft.com/office/drawing/2014/main" id="{D625DDF4-A99F-01D1-0BBF-538EEC73826D}"/>
+              </a:ext>
+            </a:extLst>
+          </p:cNvPr>
+          <p:cNvPicPr>
+            <a:picLocks noChangeAspect="1"/>
+          </p:cNvPicPr>
           <p:nvPr/>
-        </p:nvCxnSpPr>
-        <p:spPr>
-          <a:xfrm flipV="1">
-            <a:off x="5444659" y="1593627"/>
-            <a:ext cx="452582" cy="194121"/>
-          </a:xfrm>
-          <a:prstGeom prst="straightConnector1">
+        </p:nvPicPr>
+        <p:blipFill>
+          <a:blip r:embed="rId5">
+            <a:extLst>
+              <a:ext uri="{28A0092B-C50C-407E-A947-70E740481C1C}">
+                <a14:useLocalDpi xmlns:a14="http://schemas.microsoft.com/office/drawing/2010/main" val="0"/>
+              </a:ext>
+              <a:ext uri="{96DAC541-7B7A-43D3-8B79-37D633B846F1}">
+                <asvg:svgBlip xmlns:asvg="http://schemas.microsoft.com/office/drawing/2016/SVG/main" r:embed="rId6"/>
+              </a:ext>
+            </a:extLst>
+          </a:blip>
+          <a:stretch>
+            <a:fillRect/>
+          </a:stretch>
+        </p:blipFill>
+        <p:spPr>
+          <a:xfrm>
+            <a:off x="2897740" y="238214"/>
+            <a:ext cx="741502" cy="741502"/>
+          </a:xfrm>
+          <a:prstGeom prst="rect">
             <a:avLst/>
           </a:prstGeom>
-          <a:ln>
-            <a:tailEnd type="triangle"/>
-          </a:ln>
-        </p:spPr>
-        <p:style>
-          <a:lnRef idx="1">
-            <a:schemeClr val="accent4"/>
-          </a:lnRef>
-          <a:fillRef idx="0">
-            <a:schemeClr val="accent4"/>
-          </a:fillRef>
-          <a:effectRef idx="0">
-            <a:schemeClr val="accent4"/>
-          </a:effectRef>
-          <a:fontRef idx="minor">
-            <a:schemeClr val="tx1"/>
-          </a:fontRef>
-        </p:style>
-      </p:cxnSp>
-      <p:cxnSp>
-        <p:nvCxnSpPr>
-          <p:cNvPr id="16" name="Straight Arrow Connector 15">
-            <a:extLst>
-              <a:ext uri="{FF2B5EF4-FFF2-40B4-BE49-F238E27FC236}">
-                <a16:creationId xmlns:a16="http://schemas.microsoft.com/office/drawing/2014/main" id="{2CCD1DD3-E0EE-4CE6-9788-FF3A13357F9A}"/>
-              </a:ext>
-            </a:extLst>
-          </p:cNvPr>
-          <p:cNvCxnSpPr/>
+        </p:spPr>
+      </p:pic>
+      <p:pic>
+        <p:nvPicPr>
+          <p:cNvPr id="24" name="Graphic 23" descr="Dog with solid fill">
+            <a:extLst>
+              <a:ext uri="{FF2B5EF4-FFF2-40B4-BE49-F238E27FC236}">
+                <a16:creationId xmlns:a16="http://schemas.microsoft.com/office/drawing/2014/main" id="{3AA2996A-34F5-2982-DEA2-F752BDED5357}"/>
+              </a:ext>
+            </a:extLst>
+          </p:cNvPr>
+          <p:cNvPicPr>
+            <a:picLocks noChangeAspect="1"/>
+          </p:cNvPicPr>
           <p:nvPr/>
-        </p:nvCxnSpPr>
-        <p:spPr>
-          <a:xfrm>
-            <a:off x="7310584" y="1501386"/>
-            <a:ext cx="438725" cy="92241"/>
-          </a:xfrm>
-          <a:prstGeom prst="straightConnector1">
+        </p:nvPicPr>
+        <p:blipFill>
+          <a:blip r:embed="rId7">
+            <a:extLst>
+              <a:ext uri="{28A0092B-C50C-407E-A947-70E740481C1C}">
+                <a14:useLocalDpi xmlns:a14="http://schemas.microsoft.com/office/drawing/2010/main" val="0"/>
+              </a:ext>
+              <a:ext uri="{96DAC541-7B7A-43D3-8B79-37D633B846F1}">
+                <asvg:svgBlip xmlns:asvg="http://schemas.microsoft.com/office/drawing/2016/SVG/main" r:embed="rId8"/>
+              </a:ext>
+            </a:extLst>
+          </a:blip>
+          <a:stretch>
+            <a:fillRect/>
+          </a:stretch>
+        </p:blipFill>
+        <p:spPr>
+          <a:xfrm>
+            <a:off x="5917901" y="277370"/>
+            <a:ext cx="759736" cy="759736"/>
+          </a:xfrm>
+          <a:prstGeom prst="rect">
             <a:avLst/>
           </a:prstGeom>
-          <a:ln>
-            <a:tailEnd type="triangle"/>
-          </a:ln>
-        </p:spPr>
-        <p:style>
-          <a:lnRef idx="1">
-            <a:schemeClr val="accent4"/>
-          </a:lnRef>
-          <a:fillRef idx="0">
-            <a:schemeClr val="accent4"/>
-          </a:fillRef>
-          <a:effectRef idx="0">
-            <a:schemeClr val="accent4"/>
-          </a:effectRef>
-          <a:fontRef idx="minor">
-            <a:schemeClr val="tx1"/>
-          </a:fontRef>
-        </p:style>
-      </p:cxnSp>
-      <p:cxnSp>
-        <p:nvCxnSpPr>
-          <p:cNvPr id="18" name="Straight Arrow Connector 17">
-            <a:extLst>
-              <a:ext uri="{FF2B5EF4-FFF2-40B4-BE49-F238E27FC236}">
-                <a16:creationId xmlns:a16="http://schemas.microsoft.com/office/drawing/2014/main" id="{D534E4E9-B99A-4F01-B872-C994E122AB02}"/>
-              </a:ext>
-            </a:extLst>
-          </p:cNvPr>
-          <p:cNvCxnSpPr/>
+        </p:spPr>
+      </p:pic>
+      <p:pic>
+        <p:nvPicPr>
+          <p:cNvPr id="25" name="Graphic 24" descr="Puppy outline">
+            <a:extLst>
+              <a:ext uri="{FF2B5EF4-FFF2-40B4-BE49-F238E27FC236}">
+                <a16:creationId xmlns:a16="http://schemas.microsoft.com/office/drawing/2014/main" id="{B04663C3-46B0-149E-5B09-F5CFAEBBB9F1}"/>
+              </a:ext>
+            </a:extLst>
+          </p:cNvPr>
+          <p:cNvPicPr>
+            <a:picLocks noChangeAspect="1"/>
+          </p:cNvPicPr>
           <p:nvPr/>
-        </p:nvCxnSpPr>
-        <p:spPr>
-          <a:xfrm>
-            <a:off x="9048492" y="2468419"/>
-            <a:ext cx="178633" cy="258496"/>
-          </a:xfrm>
-          <a:prstGeom prst="straightConnector1">
+        </p:nvPicPr>
+        <p:blipFill>
+          <a:blip r:embed="rId9">
+            <a:extLst>
+              <a:ext uri="{28A0092B-C50C-407E-A947-70E740481C1C}">
+                <a14:useLocalDpi xmlns:a14="http://schemas.microsoft.com/office/drawing/2010/main" val="0"/>
+              </a:ext>
+              <a:ext uri="{96DAC541-7B7A-43D3-8B79-37D633B846F1}">
+                <asvg:svgBlip xmlns:asvg="http://schemas.microsoft.com/office/drawing/2016/SVG/main" r:embed="rId10"/>
+              </a:ext>
+            </a:extLst>
+          </a:blip>
+          <a:stretch>
+            <a:fillRect/>
+          </a:stretch>
+        </p:blipFill>
+        <p:spPr>
+          <a:xfrm>
+            <a:off x="4251652" y="208365"/>
+            <a:ext cx="823812" cy="823812"/>
+          </a:xfrm>
+          <a:prstGeom prst="rect">
             <a:avLst/>
           </a:prstGeom>
-          <a:ln>
-            <a:tailEnd type="triangle"/>
-          </a:ln>
-        </p:spPr>
-        <p:style>
-          <a:lnRef idx="1">
-            <a:schemeClr val="accent4"/>
-          </a:lnRef>
-          <a:fillRef idx="0">
-            <a:schemeClr val="accent4"/>
-          </a:fillRef>
-          <a:effectRef idx="0">
-            <a:schemeClr val="accent4"/>
-          </a:effectRef>
-          <a:fontRef idx="minor">
-            <a:schemeClr val="tx1"/>
-          </a:fontRef>
-        </p:style>
-      </p:cxnSp>
-      <p:cxnSp>
-        <p:nvCxnSpPr>
-          <p:cNvPr id="20" name="Straight Arrow Connector 19">
-            <a:extLst>
-              <a:ext uri="{FF2B5EF4-FFF2-40B4-BE49-F238E27FC236}">
-                <a16:creationId xmlns:a16="http://schemas.microsoft.com/office/drawing/2014/main" id="{C9ADBE02-1252-4C3B-B56C-47EDB6100C89}"/>
-              </a:ext>
-            </a:extLst>
-          </p:cNvPr>
-          <p:cNvCxnSpPr/>
+        </p:spPr>
+      </p:pic>
+      <p:pic>
+        <p:nvPicPr>
+          <p:cNvPr id="26" name="Graphic 25" descr="Balloon animal outline">
+            <a:extLst>
+              <a:ext uri="{FF2B5EF4-FFF2-40B4-BE49-F238E27FC236}">
+                <a16:creationId xmlns:a16="http://schemas.microsoft.com/office/drawing/2014/main" id="{9FE9D7FD-8058-7586-D8A7-724CAC3C8A50}"/>
+              </a:ext>
+            </a:extLst>
+          </p:cNvPr>
+          <p:cNvPicPr>
+            <a:picLocks noChangeAspect="1"/>
+          </p:cNvPicPr>
           <p:nvPr/>
-        </p:nvCxnSpPr>
-        <p:spPr>
-          <a:xfrm flipH="1">
-            <a:off x="8340299" y="3564611"/>
-            <a:ext cx="463759" cy="434324"/>
-          </a:xfrm>
-          <a:prstGeom prst="straightConnector1">
+        </p:nvPicPr>
+        <p:blipFill>
+          <a:blip r:embed="rId11">
+            <a:extLst>
+              <a:ext uri="{28A0092B-C50C-407E-A947-70E740481C1C}">
+                <a14:useLocalDpi xmlns:a14="http://schemas.microsoft.com/office/drawing/2010/main" val="0"/>
+              </a:ext>
+              <a:ext uri="{96DAC541-7B7A-43D3-8B79-37D633B846F1}">
+                <asvg:svgBlip xmlns:asvg="http://schemas.microsoft.com/office/drawing/2016/SVG/main" r:embed="rId12"/>
+              </a:ext>
+            </a:extLst>
+          </a:blip>
+          <a:stretch>
+            <a:fillRect/>
+          </a:stretch>
+        </p:blipFill>
+        <p:spPr>
+          <a:xfrm>
+            <a:off x="7738476" y="277370"/>
+            <a:ext cx="754807" cy="754807"/>
+          </a:xfrm>
+          <a:prstGeom prst="rect">
             <a:avLst/>
           </a:prstGeom>
-          <a:ln>
-            <a:tailEnd type="triangle"/>
-          </a:ln>
-        </p:spPr>
-        <p:style>
-          <a:lnRef idx="1">
-            <a:schemeClr val="accent4"/>
-          </a:lnRef>
-          <a:fillRef idx="0">
-            <a:schemeClr val="accent4"/>
-          </a:fillRef>
-          <a:effectRef idx="0">
-            <a:schemeClr val="accent4"/>
-          </a:effectRef>
-          <a:fontRef idx="minor">
-            <a:schemeClr val="tx1"/>
-          </a:fontRef>
-        </p:style>
-      </p:cxnSp>
+        </p:spPr>
+      </p:pic>
+      <p:sp>
+        <p:nvSpPr>
+          <p:cNvPr id="27" name="TextBox 26">
+            <a:extLst>
+              <a:ext uri="{FF2B5EF4-FFF2-40B4-BE49-F238E27FC236}">
+                <a16:creationId xmlns:a16="http://schemas.microsoft.com/office/drawing/2014/main" id="{6491D77D-C7A4-F0BE-4E08-C73FB19AF81D}"/>
+              </a:ext>
+            </a:extLst>
+          </p:cNvPr>
+          <p:cNvSpPr txBox="1"/>
+          <p:nvPr/>
+        </p:nvSpPr>
+        <p:spPr>
+          <a:xfrm>
+            <a:off x="2625754" y="907571"/>
+            <a:ext cx="6040074" cy="276999"/>
+          </a:xfrm>
+          <a:prstGeom prst="rect">
+            <a:avLst/>
+          </a:prstGeom>
+          <a:noFill/>
+        </p:spPr>
+        <p:txBody>
+          <a:bodyPr wrap="square" rtlCol="0">
+            <a:spAutoFit/>
+          </a:bodyPr>
+          <a:lstStyle/>
+          <a:p>
+            <a:r>
+              <a:rPr lang="en-US" sz="1200" dirty="0"/>
+              <a:t>      Homepage                     Grooming                            Map to Store                               Contact US</a:t>
+            </a:r>
+          </a:p>
+        </p:txBody>
+      </p:sp>
+      <p:sp>
+        <p:nvSpPr>
+          <p:cNvPr id="28" name="TextBox 27">
+            <a:extLst>
+              <a:ext uri="{FF2B5EF4-FFF2-40B4-BE49-F238E27FC236}">
+                <a16:creationId xmlns:a16="http://schemas.microsoft.com/office/drawing/2014/main" id="{7ECC5447-E8B0-9427-19FC-74778008D58C}"/>
+              </a:ext>
+            </a:extLst>
+          </p:cNvPr>
+          <p:cNvSpPr txBox="1"/>
+          <p:nvPr/>
+        </p:nvSpPr>
+        <p:spPr>
+          <a:xfrm>
+            <a:off x="9568427" y="2927655"/>
+            <a:ext cx="1074556" cy="461665"/>
+          </a:xfrm>
+          <a:prstGeom prst="rect">
+            <a:avLst/>
+          </a:prstGeom>
+          <a:noFill/>
+        </p:spPr>
+        <p:txBody>
+          <a:bodyPr wrap="square" rtlCol="0">
+            <a:spAutoFit/>
+          </a:bodyPr>
+          <a:lstStyle/>
+          <a:p>
+            <a:r>
+              <a:rPr lang="en-US" sz="1200" dirty="0"/>
+              <a:t>Pets</a:t>
+            </a:r>
+          </a:p>
+          <a:p>
+            <a:r>
+              <a:rPr lang="en-US" sz="1200" dirty="0"/>
+              <a:t>      Names:</a:t>
+            </a:r>
+          </a:p>
+        </p:txBody>
+      </p:sp>
     </p:spTree>
     <p:extLst>
       <p:ext uri="{BB962C8B-B14F-4D97-AF65-F5344CB8AC3E}">
@@ -6057,239 +7314,7 @@
 </p:sld>
 </file>
 
-<file path=ppt/slides/slide4.xml><?xml version="1.0" encoding="utf-8"?>
-<p:sld xmlns:a="http://schemas.openxmlformats.org/drawingml/2006/main" xmlns:r="http://schemas.openxmlformats.org/officeDocument/2006/relationships" xmlns:p="http://schemas.openxmlformats.org/presentationml/2006/main">
-  <p:cSld>
-    <p:spTree>
-      <p:nvGrpSpPr>
-        <p:cNvPr id="1" name=""/>
-        <p:cNvGrpSpPr/>
-        <p:nvPr/>
-      </p:nvGrpSpPr>
-      <p:grpSpPr>
-        <a:xfrm>
-          <a:off x="0" y="0"/>
-          <a:ext cx="0" cy="0"/>
-          <a:chOff x="0" y="0"/>
-          <a:chExt cx="0" cy="0"/>
-        </a:xfrm>
-      </p:grpSpPr>
-      <p:pic>
-        <p:nvPicPr>
-          <p:cNvPr id="3" name="Picture 2">
-            <a:extLst>
-              <a:ext uri="{FF2B5EF4-FFF2-40B4-BE49-F238E27FC236}">
-                <a16:creationId xmlns:a16="http://schemas.microsoft.com/office/drawing/2014/main" id="{936A2758-362E-427F-BC7B-042E30C21089}"/>
-              </a:ext>
-            </a:extLst>
-          </p:cNvPr>
-          <p:cNvPicPr>
-            <a:picLocks noChangeAspect="1"/>
-          </p:cNvPicPr>
-          <p:nvPr/>
-        </p:nvPicPr>
-        <p:blipFill>
-          <a:blip r:embed="rId2"/>
-          <a:stretch>
-            <a:fillRect/>
-          </a:stretch>
-        </p:blipFill>
-        <p:spPr>
-          <a:xfrm>
-            <a:off x="310219" y="744883"/>
-            <a:ext cx="2924583" cy="2686425"/>
-          </a:xfrm>
-          <a:prstGeom prst="rect">
-            <a:avLst/>
-          </a:prstGeom>
-        </p:spPr>
-      </p:pic>
-      <p:pic>
-        <p:nvPicPr>
-          <p:cNvPr id="5" name="Picture 4">
-            <a:extLst>
-              <a:ext uri="{FF2B5EF4-FFF2-40B4-BE49-F238E27FC236}">
-                <a16:creationId xmlns:a16="http://schemas.microsoft.com/office/drawing/2014/main" id="{CD7199A7-EBA6-4F28-B332-E5D6541B61AE}"/>
-              </a:ext>
-            </a:extLst>
-          </p:cNvPr>
-          <p:cNvPicPr>
-            <a:picLocks noChangeAspect="1"/>
-          </p:cNvPicPr>
-          <p:nvPr/>
-        </p:nvPicPr>
-        <p:blipFill>
-          <a:blip r:embed="rId3"/>
-          <a:stretch>
-            <a:fillRect/>
-          </a:stretch>
-        </p:blipFill>
-        <p:spPr>
-          <a:xfrm>
-            <a:off x="3263382" y="742576"/>
-            <a:ext cx="6001588" cy="5801535"/>
-          </a:xfrm>
-          <a:prstGeom prst="rect">
-            <a:avLst/>
-          </a:prstGeom>
-        </p:spPr>
-      </p:pic>
-      <p:pic>
-        <p:nvPicPr>
-          <p:cNvPr id="7" name="Picture 6">
-            <a:extLst>
-              <a:ext uri="{FF2B5EF4-FFF2-40B4-BE49-F238E27FC236}">
-                <a16:creationId xmlns:a16="http://schemas.microsoft.com/office/drawing/2014/main" id="{50A44583-4166-4E9F-98EB-84A3327D0312}"/>
-              </a:ext>
-            </a:extLst>
-          </p:cNvPr>
-          <p:cNvPicPr>
-            <a:picLocks noChangeAspect="1"/>
-          </p:cNvPicPr>
-          <p:nvPr/>
-        </p:nvPicPr>
-        <p:blipFill>
-          <a:blip r:embed="rId4"/>
-          <a:stretch>
-            <a:fillRect/>
-          </a:stretch>
-        </p:blipFill>
-        <p:spPr>
-          <a:xfrm>
-            <a:off x="281641" y="3643343"/>
-            <a:ext cx="2981741" cy="2762636"/>
-          </a:xfrm>
-          <a:prstGeom prst="rect">
-            <a:avLst/>
-          </a:prstGeom>
-        </p:spPr>
-      </p:pic>
-      <p:pic>
-        <p:nvPicPr>
-          <p:cNvPr id="9" name="Picture 8">
-            <a:extLst>
-              <a:ext uri="{FF2B5EF4-FFF2-40B4-BE49-F238E27FC236}">
-                <a16:creationId xmlns:a16="http://schemas.microsoft.com/office/drawing/2014/main" id="{8473F70A-3872-4C57-A33D-DEBF8D187C4E}"/>
-              </a:ext>
-            </a:extLst>
-          </p:cNvPr>
-          <p:cNvPicPr>
-            <a:picLocks noChangeAspect="1"/>
-          </p:cNvPicPr>
-          <p:nvPr/>
-        </p:nvPicPr>
-        <p:blipFill>
-          <a:blip r:embed="rId5"/>
-          <a:stretch>
-            <a:fillRect/>
-          </a:stretch>
-        </p:blipFill>
-        <p:spPr>
-          <a:xfrm>
-            <a:off x="9240400" y="742576"/>
-            <a:ext cx="2951600" cy="3119729"/>
-          </a:xfrm>
-          <a:prstGeom prst="rect">
-            <a:avLst/>
-          </a:prstGeom>
-        </p:spPr>
-      </p:pic>
-      <p:sp>
-        <p:nvSpPr>
-          <p:cNvPr id="10" name="TextBox 9">
-            <a:extLst>
-              <a:ext uri="{FF2B5EF4-FFF2-40B4-BE49-F238E27FC236}">
-                <a16:creationId xmlns:a16="http://schemas.microsoft.com/office/drawing/2014/main" id="{8E184FD2-2D9E-4C8A-9826-FDF8D5E3F119}"/>
-              </a:ext>
-            </a:extLst>
-          </p:cNvPr>
-          <p:cNvSpPr txBox="1"/>
-          <p:nvPr/>
-        </p:nvSpPr>
-        <p:spPr>
-          <a:xfrm>
-            <a:off x="4311908" y="246918"/>
-            <a:ext cx="3568183" cy="523220"/>
-          </a:xfrm>
-          <a:prstGeom prst="rect">
-            <a:avLst/>
-          </a:prstGeom>
-          <a:noFill/>
-        </p:spPr>
-        <p:txBody>
-          <a:bodyPr wrap="square" rtlCol="0">
-            <a:spAutoFit/>
-          </a:bodyPr>
-          <a:lstStyle/>
-          <a:p>
-            <a:r>
-              <a:rPr lang="en-US" sz="2800" b="1" u="sng" dirty="0">
-                <a:solidFill>
-                  <a:srgbClr val="FF0000"/>
-                </a:solidFill>
-                <a:latin typeface="Arial Black" panose="020B0A04020102020204" pitchFamily="34" charset="0"/>
-              </a:rPr>
-              <a:t>Grooming Salon</a:t>
-            </a:r>
-          </a:p>
-        </p:txBody>
-      </p:sp>
-      <p:pic>
-        <p:nvPicPr>
-          <p:cNvPr id="4" name="Graphic 3">
-            <a:extLst>
-              <a:ext uri="{FF2B5EF4-FFF2-40B4-BE49-F238E27FC236}">
-                <a16:creationId xmlns:a16="http://schemas.microsoft.com/office/drawing/2014/main" id="{1855714E-C276-4155-AEF6-F1011AF6CE6B}"/>
-              </a:ext>
-            </a:extLst>
-          </p:cNvPr>
-          <p:cNvPicPr>
-            <a:picLocks noChangeAspect="1"/>
-          </p:cNvPicPr>
-          <p:nvPr/>
-        </p:nvPicPr>
-        <p:blipFill>
-          <a:blip r:embed="rId6">
-            <a:extLst>
-              <a:ext uri="{28A0092B-C50C-407E-A947-70E740481C1C}">
-                <a14:useLocalDpi xmlns:a14="http://schemas.microsoft.com/office/drawing/2010/main" val="0"/>
-              </a:ext>
-              <a:ext uri="{96DAC541-7B7A-43D3-8B79-37D633B846F1}">
-                <asvg:svgBlip xmlns:asvg="http://schemas.microsoft.com/office/drawing/2016/SVG/main" r:embed="rId7"/>
-              </a:ext>
-              <a:ext uri="{837473B0-CC2E-450A-ABE3-18F120FF3D39}">
-                <a1611:picAttrSrcUrl xmlns:a1611="http://schemas.microsoft.com/office/drawing/2016/11/main" r:id="rId8"/>
-              </a:ext>
-            </a:extLst>
-          </a:blip>
-          <a:stretch>
-            <a:fillRect/>
-          </a:stretch>
-        </p:blipFill>
-        <p:spPr>
-          <a:xfrm>
-            <a:off x="9215046" y="3643343"/>
-            <a:ext cx="2820466" cy="2762636"/>
-          </a:xfrm>
-          <a:prstGeom prst="rect">
-            <a:avLst/>
-          </a:prstGeom>
-        </p:spPr>
-      </p:pic>
-    </p:spTree>
-    <p:extLst>
-      <p:ext uri="{BB962C8B-B14F-4D97-AF65-F5344CB8AC3E}">
-        <p14:creationId xmlns:p14="http://schemas.microsoft.com/office/powerpoint/2010/main" val="1260610746"/>
-      </p:ext>
-    </p:extLst>
-  </p:cSld>
-  <p:clrMapOvr>
-    <a:masterClrMapping/>
-  </p:clrMapOvr>
-</p:sld>
-</file>
-
-<file path=ppt/slides/slide5.xml><?xml version="1.0" encoding="utf-8"?>
+<file path=ppt/slides/slide6.xml><?xml version="1.0" encoding="utf-8"?>
 <p:sld xmlns:a="http://schemas.openxmlformats.org/drawingml/2006/main" xmlns:r="http://schemas.openxmlformats.org/officeDocument/2006/relationships" xmlns:p="http://schemas.openxmlformats.org/presentationml/2006/main">
   <p:cSld>
     <p:spTree>
@@ -6637,6 +7662,80 @@
           </a:prstGeom>
         </p:spPr>
       </p:pic>
+      <p:pic>
+        <p:nvPicPr>
+          <p:cNvPr id="4" name="Graphic 3" descr="Puppy outline">
+            <a:extLst>
+              <a:ext uri="{FF2B5EF4-FFF2-40B4-BE49-F238E27FC236}">
+                <a16:creationId xmlns:a16="http://schemas.microsoft.com/office/drawing/2014/main" id="{FB8F93A1-0990-7A25-7FA1-A63690458F61}"/>
+              </a:ext>
+            </a:extLst>
+          </p:cNvPr>
+          <p:cNvPicPr>
+            <a:picLocks noChangeAspect="1"/>
+          </p:cNvPicPr>
+          <p:nvPr/>
+        </p:nvPicPr>
+        <p:blipFill>
+          <a:blip r:embed="rId11">
+            <a:extLst>
+              <a:ext uri="{28A0092B-C50C-407E-A947-70E740481C1C}">
+                <a14:useLocalDpi xmlns:a14="http://schemas.microsoft.com/office/drawing/2010/main" val="0"/>
+              </a:ext>
+              <a:ext uri="{96DAC541-7B7A-43D3-8B79-37D633B846F1}">
+                <asvg:svgBlip xmlns:asvg="http://schemas.microsoft.com/office/drawing/2016/SVG/main" r:embed="rId12"/>
+              </a:ext>
+            </a:extLst>
+          </a:blip>
+          <a:stretch>
+            <a:fillRect/>
+          </a:stretch>
+        </p:blipFill>
+        <p:spPr>
+          <a:xfrm>
+            <a:off x="8358070" y="179445"/>
+            <a:ext cx="823812" cy="823812"/>
+          </a:xfrm>
+          <a:prstGeom prst="rect">
+            <a:avLst/>
+          </a:prstGeom>
+        </p:spPr>
+      </p:pic>
+      <p:sp>
+        <p:nvSpPr>
+          <p:cNvPr id="8" name="TextBox 7">
+            <a:extLst>
+              <a:ext uri="{FF2B5EF4-FFF2-40B4-BE49-F238E27FC236}">
+                <a16:creationId xmlns:a16="http://schemas.microsoft.com/office/drawing/2014/main" id="{6E05958B-4EC4-B221-8519-60C012B4D85A}"/>
+              </a:ext>
+            </a:extLst>
+          </p:cNvPr>
+          <p:cNvSpPr txBox="1"/>
+          <p:nvPr/>
+        </p:nvSpPr>
+        <p:spPr>
+          <a:xfrm>
+            <a:off x="8210624" y="835059"/>
+            <a:ext cx="1118704" cy="369332"/>
+          </a:xfrm>
+          <a:prstGeom prst="rect">
+            <a:avLst/>
+          </a:prstGeom>
+          <a:noFill/>
+        </p:spPr>
+        <p:txBody>
+          <a:bodyPr wrap="none" rtlCol="0">
+            <a:spAutoFit/>
+          </a:bodyPr>
+          <a:lstStyle/>
+          <a:p>
+            <a:r>
+              <a:rPr lang="en-US" dirty="0"/>
+              <a:t>Grooming</a:t>
+            </a:r>
+          </a:p>
+        </p:txBody>
+      </p:sp>
     </p:spTree>
     <p:extLst>
       <p:ext uri="{BB962C8B-B14F-4D97-AF65-F5344CB8AC3E}">
